--- a/android/design idea.pptx
+++ b/android/design idea.pptx
@@ -10,6 +10,7 @@
     <p:sldId id="257" r:id="rId4"/>
     <p:sldId id="259" r:id="rId5"/>
     <p:sldId id="260" r:id="rId6"/>
+    <p:sldId id="261" r:id="rId7"/>
   </p:sldIdLst>
   <p:sldSz cx="12192000" cy="6858000"/>
   <p:notesSz cx="6858000" cy="9144000"/>
@@ -110,7 +111,7 @@
   </p:defaultTextStyle>
   <p:extLst>
     <p:ext uri="{EFAFB233-063F-42B5-8137-9DF3F51BA10A}">
-      <p15:sldGuideLst xmlns:p15="http://schemas.microsoft.com/office/powerpoint/2012/main"/>
+      <p15:sldGuideLst xmlns:p15="http://schemas.microsoft.com/office/powerpoint/2012/main" xmlns=""/>
     </p:ext>
   </p:extLst>
 </p:presentation>
@@ -247,7 +248,7 @@
           <a:p>
             <a:fld id="{96C534D8-0294-430D-960A-0D5D59FF66B8}" type="datetimeFigureOut">
               <a:rPr lang="en-US" smtClean="0"/>
-              <a:t>11/7/2019</a:t>
+              <a:t>11/10/2019</a:t>
             </a:fld>
             <a:endParaRPr lang="en-US"/>
           </a:p>
@@ -417,7 +418,7 @@
           <a:p>
             <a:fld id="{96C534D8-0294-430D-960A-0D5D59FF66B8}" type="datetimeFigureOut">
               <a:rPr lang="en-US" smtClean="0"/>
-              <a:t>11/7/2019</a:t>
+              <a:t>11/10/2019</a:t>
             </a:fld>
             <a:endParaRPr lang="en-US"/>
           </a:p>
@@ -597,7 +598,7 @@
           <a:p>
             <a:fld id="{96C534D8-0294-430D-960A-0D5D59FF66B8}" type="datetimeFigureOut">
               <a:rPr lang="en-US" smtClean="0"/>
-              <a:t>11/7/2019</a:t>
+              <a:t>11/10/2019</a:t>
             </a:fld>
             <a:endParaRPr lang="en-US"/>
           </a:p>
@@ -767,7 +768,7 @@
           <a:p>
             <a:fld id="{96C534D8-0294-430D-960A-0D5D59FF66B8}" type="datetimeFigureOut">
               <a:rPr lang="en-US" smtClean="0"/>
-              <a:t>11/7/2019</a:t>
+              <a:t>11/10/2019</a:t>
             </a:fld>
             <a:endParaRPr lang="en-US"/>
           </a:p>
@@ -1013,7 +1014,7 @@
           <a:p>
             <a:fld id="{96C534D8-0294-430D-960A-0D5D59FF66B8}" type="datetimeFigureOut">
               <a:rPr lang="en-US" smtClean="0"/>
-              <a:t>11/7/2019</a:t>
+              <a:t>11/10/2019</a:t>
             </a:fld>
             <a:endParaRPr lang="en-US"/>
           </a:p>
@@ -1245,7 +1246,7 @@
           <a:p>
             <a:fld id="{96C534D8-0294-430D-960A-0D5D59FF66B8}" type="datetimeFigureOut">
               <a:rPr lang="en-US" smtClean="0"/>
-              <a:t>11/7/2019</a:t>
+              <a:t>11/10/2019</a:t>
             </a:fld>
             <a:endParaRPr lang="en-US"/>
           </a:p>
@@ -1612,7 +1613,7 @@
           <a:p>
             <a:fld id="{96C534D8-0294-430D-960A-0D5D59FF66B8}" type="datetimeFigureOut">
               <a:rPr lang="en-US" smtClean="0"/>
-              <a:t>11/7/2019</a:t>
+              <a:t>11/10/2019</a:t>
             </a:fld>
             <a:endParaRPr lang="en-US"/>
           </a:p>
@@ -1730,7 +1731,7 @@
           <a:p>
             <a:fld id="{96C534D8-0294-430D-960A-0D5D59FF66B8}" type="datetimeFigureOut">
               <a:rPr lang="en-US" smtClean="0"/>
-              <a:t>11/7/2019</a:t>
+              <a:t>11/10/2019</a:t>
             </a:fld>
             <a:endParaRPr lang="en-US"/>
           </a:p>
@@ -1825,7 +1826,7 @@
           <a:p>
             <a:fld id="{96C534D8-0294-430D-960A-0D5D59FF66B8}" type="datetimeFigureOut">
               <a:rPr lang="en-US" smtClean="0"/>
-              <a:t>11/7/2019</a:t>
+              <a:t>11/10/2019</a:t>
             </a:fld>
             <a:endParaRPr lang="en-US"/>
           </a:p>
@@ -2102,7 +2103,7 @@
           <a:p>
             <a:fld id="{96C534D8-0294-430D-960A-0D5D59FF66B8}" type="datetimeFigureOut">
               <a:rPr lang="en-US" smtClean="0"/>
-              <a:t>11/7/2019</a:t>
+              <a:t>11/10/2019</a:t>
             </a:fld>
             <a:endParaRPr lang="en-US"/>
           </a:p>
@@ -2355,7 +2356,7 @@
           <a:p>
             <a:fld id="{96C534D8-0294-430D-960A-0D5D59FF66B8}" type="datetimeFigureOut">
               <a:rPr lang="en-US" smtClean="0"/>
-              <a:t>11/7/2019</a:t>
+              <a:t>11/10/2019</a:t>
             </a:fld>
             <a:endParaRPr lang="en-US"/>
           </a:p>
@@ -2568,7 +2569,7 @@
           <a:p>
             <a:fld id="{96C534D8-0294-430D-960A-0D5D59FF66B8}" type="datetimeFigureOut">
               <a:rPr lang="en-US" smtClean="0"/>
-              <a:t>11/7/2019</a:t>
+              <a:t>11/10/2019</a:t>
             </a:fld>
             <a:endParaRPr lang="en-US"/>
           </a:p>
@@ -5438,7 +5439,7 @@
         </p:nvSpPr>
         <p:spPr>
           <a:xfrm>
-            <a:off x="3671454" y="219384"/>
+            <a:off x="3711290" y="219384"/>
             <a:ext cx="3713018" cy="6220691"/>
           </a:xfrm>
           <a:prstGeom prst="rect">
@@ -5624,7 +5625,11 @@
             <a:pPr algn="ctr"/>
             <a:r>
               <a:rPr lang="en-US" dirty="0" smtClean="0"/>
-              <a:t>Plumber </a:t>
+              <a:t>Search by Name / organization</a:t>
+            </a:r>
+            <a:r>
+              <a:rPr lang="en-US" dirty="0" smtClean="0"/>
+              <a:t> </a:t>
             </a:r>
             <a:endParaRPr lang="en-US" dirty="0"/>
           </a:p>
@@ -5692,16 +5697,16 @@
       </p:pic>
       <p:grpSp>
         <p:nvGrpSpPr>
-          <p:cNvPr id="8" name="Group 7"/>
+          <p:cNvPr id="12" name="Group 11"/>
           <p:cNvGrpSpPr/>
           <p:nvPr/>
         </p:nvGrpSpPr>
         <p:grpSpPr>
           <a:xfrm>
-            <a:off x="3668120" y="1492175"/>
-            <a:ext cx="3716352" cy="773123"/>
-            <a:chOff x="3668120" y="1492175"/>
-            <a:chExt cx="3716352" cy="773123"/>
+            <a:off x="3659646" y="1482459"/>
+            <a:ext cx="3738936" cy="1769722"/>
+            <a:chOff x="3671454" y="1450007"/>
+            <a:chExt cx="3738936" cy="1769722"/>
           </a:xfrm>
         </p:grpSpPr>
         <p:sp>
@@ -5712,8 +5717,8 @@
           </p:nvSpPr>
           <p:spPr>
             <a:xfrm>
-              <a:off x="3668120" y="1492175"/>
-              <a:ext cx="3716352" cy="773123"/>
+              <a:off x="3694038" y="1450007"/>
+              <a:ext cx="3716352" cy="1769722"/>
             </a:xfrm>
             <a:prstGeom prst="rect">
               <a:avLst/>
@@ -5742,66 +5747,6 @@
             </a:p>
           </p:txBody>
         </p:sp>
-        <p:pic>
-          <p:nvPicPr>
-            <p:cNvPr id="3" name="Picture 2"/>
-            <p:cNvPicPr>
-              <a:picLocks noChangeAspect="1"/>
-            </p:cNvPicPr>
-            <p:nvPr/>
-          </p:nvPicPr>
-          <p:blipFill>
-            <a:blip r:embed="rId4" cstate="print">
-              <a:extLst>
-                <a:ext uri="{28A0092B-C50C-407E-A947-70E740481C1C}">
-                  <a14:useLocalDpi xmlns:a14="http://schemas.microsoft.com/office/drawing/2010/main" val="0"/>
-                </a:ext>
-              </a:extLst>
-            </a:blip>
-            <a:stretch>
-              <a:fillRect/>
-            </a:stretch>
-          </p:blipFill>
-          <p:spPr>
-            <a:xfrm>
-              <a:off x="3736575" y="1556998"/>
-              <a:ext cx="605737" cy="605737"/>
-            </a:xfrm>
-            <a:prstGeom prst="rect">
-              <a:avLst/>
-            </a:prstGeom>
-          </p:spPr>
-        </p:pic>
-        <p:sp>
-          <p:nvSpPr>
-            <p:cNvPr id="6" name="TextBox 5"/>
-            <p:cNvSpPr txBox="1"/>
-            <p:nvPr/>
-          </p:nvSpPr>
-          <p:spPr>
-            <a:xfrm>
-              <a:off x="4833257" y="1711038"/>
-              <a:ext cx="1476103" cy="369332"/>
-            </a:xfrm>
-            <a:prstGeom prst="rect">
-              <a:avLst/>
-            </a:prstGeom>
-            <a:noFill/>
-          </p:spPr>
-          <p:txBody>
-            <a:bodyPr wrap="square" rtlCol="0">
-              <a:spAutoFit/>
-            </a:bodyPr>
-            <a:lstStyle/>
-            <a:p>
-              <a:r>
-                <a:rPr lang="en-US" dirty="0" smtClean="0"/>
-                <a:t>Carpentry</a:t>
-              </a:r>
-              <a:endParaRPr lang="en-US" dirty="0"/>
-            </a:p>
-          </p:txBody>
-        </p:sp>
         <p:sp>
           <p:nvSpPr>
             <p:cNvPr id="7" name="Right Arrow 6"/>
@@ -5810,8 +5755,8 @@
           </p:nvSpPr>
           <p:spPr>
             <a:xfrm>
-              <a:off x="7023149" y="1711038"/>
-              <a:ext cx="177436" cy="327690"/>
+              <a:off x="7147709" y="2122651"/>
+              <a:ext cx="177436" cy="541218"/>
             </a:xfrm>
             <a:prstGeom prst="rightArrow">
               <a:avLst/>
@@ -5842,31 +5787,162 @@
             </a:p>
           </p:txBody>
         </p:sp>
+        <p:pic>
+          <p:nvPicPr>
+            <p:cNvPr id="44" name="Picture 43"/>
+            <p:cNvPicPr>
+              <a:picLocks noChangeAspect="1"/>
+            </p:cNvPicPr>
+            <p:nvPr/>
+          </p:nvPicPr>
+          <p:blipFill>
+            <a:blip r:embed="rId4" cstate="print">
+              <a:extLst>
+                <a:ext uri="{28A0092B-C50C-407E-A947-70E740481C1C}">
+                  <a14:useLocalDpi xmlns:a14="http://schemas.microsoft.com/office/drawing/2010/main" val="0"/>
+                </a:ext>
+              </a:extLst>
+            </a:blip>
+            <a:stretch>
+              <a:fillRect/>
+            </a:stretch>
+          </p:blipFill>
+          <p:spPr>
+            <a:xfrm>
+              <a:off x="3677715" y="1525151"/>
+              <a:ext cx="825274" cy="675310"/>
+            </a:xfrm>
+            <a:prstGeom prst="rect">
+              <a:avLst/>
+            </a:prstGeom>
+          </p:spPr>
+        </p:pic>
+        <p:sp>
+          <p:nvSpPr>
+            <p:cNvPr id="9" name="TextBox 8"/>
+            <p:cNvSpPr txBox="1"/>
+            <p:nvPr/>
+          </p:nvSpPr>
+          <p:spPr>
+            <a:xfrm>
+              <a:off x="4701396" y="1558203"/>
+              <a:ext cx="2027207" cy="461665"/>
+            </a:xfrm>
+            <a:prstGeom prst="rect">
+              <a:avLst/>
+            </a:prstGeom>
+            <a:noFill/>
+          </p:spPr>
+          <p:txBody>
+            <a:bodyPr wrap="square" rtlCol="0">
+              <a:spAutoFit/>
+            </a:bodyPr>
+            <a:lstStyle/>
+            <a:p>
+              <a:r>
+                <a:rPr lang="en-US" sz="1200" dirty="0" smtClean="0"/>
+                <a:t>Name/ Organization :  Das Carpentry /Tulu Das </a:t>
+              </a:r>
+              <a:endParaRPr lang="en-US" sz="1200" dirty="0"/>
+            </a:p>
+          </p:txBody>
+        </p:sp>
+        <p:pic>
+          <p:nvPicPr>
+            <p:cNvPr id="1026" name="Picture 2" descr="C:\Users\91895\Desktop\pngtube.com-5-star-rating-png-1259472.png"/>
+            <p:cNvPicPr>
+              <a:picLocks noChangeAspect="1" noChangeArrowheads="1"/>
+            </p:cNvPicPr>
+            <p:nvPr/>
+          </p:nvPicPr>
+          <p:blipFill>
+            <a:blip r:embed="rId5" cstate="print">
+              <a:extLst>
+                <a:ext uri="{28A0092B-C50C-407E-A947-70E740481C1C}">
+                  <a14:useLocalDpi xmlns:a14="http://schemas.microsoft.com/office/drawing/2010/main" val="0"/>
+                </a:ext>
+              </a:extLst>
+            </a:blip>
+            <a:srcRect/>
+            <a:stretch>
+              <a:fillRect/>
+            </a:stretch>
+          </p:blipFill>
+          <p:spPr bwMode="auto">
+            <a:xfrm>
+              <a:off x="3671454" y="2279518"/>
+              <a:ext cx="934730" cy="175558"/>
+            </a:xfrm>
+            <a:prstGeom prst="rect">
+              <a:avLst/>
+            </a:prstGeom>
+            <a:noFill/>
+            <a:extLst>
+              <a:ext uri="{909E8E84-426E-40DD-AFC4-6F175D3DCCD1}">
+                <a14:hiddenFill xmlns:a14="http://schemas.microsoft.com/office/drawing/2010/main">
+                  <a:solidFill>
+                    <a:srgbClr val="FFFFFF"/>
+                  </a:solidFill>
+                </a14:hiddenFill>
+              </a:ext>
+            </a:extLst>
+          </p:spPr>
+        </p:pic>
+        <p:sp>
+          <p:nvSpPr>
+            <p:cNvPr id="10" name="TextBox 9"/>
+            <p:cNvSpPr txBox="1"/>
+            <p:nvPr/>
+          </p:nvSpPr>
+          <p:spPr>
+            <a:xfrm>
+              <a:off x="4701396" y="2061961"/>
+              <a:ext cx="1820174" cy="646331"/>
+            </a:xfrm>
+            <a:prstGeom prst="rect">
+              <a:avLst/>
+            </a:prstGeom>
+            <a:noFill/>
+          </p:spPr>
+          <p:txBody>
+            <a:bodyPr wrap="square" rtlCol="0">
+              <a:spAutoFit/>
+            </a:bodyPr>
+            <a:lstStyle/>
+            <a:p>
+              <a:r>
+                <a:rPr lang="en-US" sz="1200" dirty="0" smtClean="0"/>
+                <a:t> Areas Of Expertise: Door Window , Table ,Chairs ,Cupboards   </a:t>
+              </a:r>
+              <a:endParaRPr lang="en-US" sz="1200" dirty="0"/>
+            </a:p>
+          </p:txBody>
+        </p:sp>
       </p:grpSp>
       <p:grpSp>
         <p:nvGrpSpPr>
-          <p:cNvPr id="32" name="Group 31"/>
+          <p:cNvPr id="63" name="Group 62"/>
           <p:cNvGrpSpPr/>
           <p:nvPr/>
         </p:nvGrpSpPr>
         <p:grpSpPr>
           <a:xfrm>
-            <a:off x="3668120" y="2257591"/>
-            <a:ext cx="3716352" cy="773123"/>
-            <a:chOff x="3668120" y="1492175"/>
-            <a:chExt cx="3716352" cy="773123"/>
+            <a:off x="3671454" y="3255567"/>
+            <a:ext cx="3738936" cy="1769722"/>
+            <a:chOff x="3671454" y="1450007"/>
+            <a:chExt cx="3738936" cy="1769722"/>
           </a:xfrm>
         </p:grpSpPr>
         <p:sp>
           <p:nvSpPr>
-            <p:cNvPr id="33" name="Rectangle 32"/>
+            <p:cNvPr id="64" name="Rectangle 63"/>
             <p:cNvSpPr/>
             <p:nvPr/>
           </p:nvSpPr>
           <p:spPr>
             <a:xfrm>
-              <a:off x="3668120" y="1492175"/>
-              <a:ext cx="3716352" cy="773123"/>
+              <a:off x="3694038" y="1450007"/>
+              <a:ext cx="3716352" cy="1769722"/>
             </a:xfrm>
             <a:prstGeom prst="rect">
               <a:avLst/>
@@ -5897,44 +5973,14 @@
         </p:sp>
         <p:sp>
           <p:nvSpPr>
-            <p:cNvPr id="35" name="TextBox 34"/>
-            <p:cNvSpPr txBox="1"/>
-            <p:nvPr/>
-          </p:nvSpPr>
-          <p:spPr>
-            <a:xfrm>
-              <a:off x="4833257" y="1711038"/>
-              <a:ext cx="1476103" cy="369332"/>
-            </a:xfrm>
-            <a:prstGeom prst="rect">
-              <a:avLst/>
-            </a:prstGeom>
-            <a:noFill/>
-          </p:spPr>
-          <p:txBody>
-            <a:bodyPr wrap="square" rtlCol="0">
-              <a:spAutoFit/>
-            </a:bodyPr>
-            <a:lstStyle/>
-            <a:p>
-              <a:r>
-                <a:rPr lang="en-US" dirty="0" smtClean="0"/>
-                <a:t>Welding</a:t>
-              </a:r>
-              <a:endParaRPr lang="en-US" dirty="0"/>
-            </a:p>
-          </p:txBody>
-        </p:sp>
-        <p:sp>
-          <p:nvSpPr>
-            <p:cNvPr id="36" name="Right Arrow 35"/>
+            <p:cNvPr id="65" name="Right Arrow 64"/>
             <p:cNvSpPr/>
             <p:nvPr/>
           </p:nvSpPr>
           <p:spPr>
             <a:xfrm>
-              <a:off x="7023149" y="1711038"/>
-              <a:ext cx="177436" cy="327690"/>
+              <a:off x="7147709" y="2122651"/>
+              <a:ext cx="177436" cy="541218"/>
             </a:xfrm>
             <a:prstGeom prst="rightArrow">
               <a:avLst/>
@@ -5965,31 +6011,463 @@
             </a:p>
           </p:txBody>
         </p:sp>
+        <p:pic>
+          <p:nvPicPr>
+            <p:cNvPr id="66" name="Picture 65"/>
+            <p:cNvPicPr>
+              <a:picLocks noChangeAspect="1"/>
+            </p:cNvPicPr>
+            <p:nvPr/>
+          </p:nvPicPr>
+          <p:blipFill>
+            <a:blip r:embed="rId4" cstate="print">
+              <a:extLst>
+                <a:ext uri="{28A0092B-C50C-407E-A947-70E740481C1C}">
+                  <a14:useLocalDpi xmlns:a14="http://schemas.microsoft.com/office/drawing/2010/main" val="0"/>
+                </a:ext>
+              </a:extLst>
+            </a:blip>
+            <a:stretch>
+              <a:fillRect/>
+            </a:stretch>
+          </p:blipFill>
+          <p:spPr>
+            <a:xfrm>
+              <a:off x="3677715" y="1525151"/>
+              <a:ext cx="825274" cy="675310"/>
+            </a:xfrm>
+            <a:prstGeom prst="rect">
+              <a:avLst/>
+            </a:prstGeom>
+          </p:spPr>
+        </p:pic>
+        <p:sp>
+          <p:nvSpPr>
+            <p:cNvPr id="67" name="TextBox 66"/>
+            <p:cNvSpPr txBox="1"/>
+            <p:nvPr/>
+          </p:nvSpPr>
+          <p:spPr>
+            <a:xfrm>
+              <a:off x="4701396" y="1558203"/>
+              <a:ext cx="2027207" cy="461665"/>
+            </a:xfrm>
+            <a:prstGeom prst="rect">
+              <a:avLst/>
+            </a:prstGeom>
+            <a:noFill/>
+          </p:spPr>
+          <p:txBody>
+            <a:bodyPr wrap="square" rtlCol="0">
+              <a:spAutoFit/>
+            </a:bodyPr>
+            <a:lstStyle/>
+            <a:p>
+              <a:r>
+                <a:rPr lang="en-US" sz="1200" dirty="0" smtClean="0"/>
+                <a:t>Name/ Organization :  Das Carpentry /Tulu Das </a:t>
+              </a:r>
+              <a:endParaRPr lang="en-US" sz="1200" dirty="0"/>
+            </a:p>
+          </p:txBody>
+        </p:sp>
+        <p:pic>
+          <p:nvPicPr>
+            <p:cNvPr id="68" name="Picture 2" descr="C:\Users\91895\Desktop\pngtube.com-5-star-rating-png-1259472.png"/>
+            <p:cNvPicPr>
+              <a:picLocks noChangeAspect="1" noChangeArrowheads="1"/>
+            </p:cNvPicPr>
+            <p:nvPr/>
+          </p:nvPicPr>
+          <p:blipFill>
+            <a:blip r:embed="rId5" cstate="print">
+              <a:extLst>
+                <a:ext uri="{28A0092B-C50C-407E-A947-70E740481C1C}">
+                  <a14:useLocalDpi xmlns:a14="http://schemas.microsoft.com/office/drawing/2010/main" val="0"/>
+                </a:ext>
+              </a:extLst>
+            </a:blip>
+            <a:srcRect/>
+            <a:stretch>
+              <a:fillRect/>
+            </a:stretch>
+          </p:blipFill>
+          <p:spPr bwMode="auto">
+            <a:xfrm>
+              <a:off x="3671454" y="2279518"/>
+              <a:ext cx="934730" cy="175558"/>
+            </a:xfrm>
+            <a:prstGeom prst="rect">
+              <a:avLst/>
+            </a:prstGeom>
+            <a:noFill/>
+            <a:extLst>
+              <a:ext uri="{909E8E84-426E-40DD-AFC4-6F175D3DCCD1}">
+                <a14:hiddenFill xmlns:a14="http://schemas.microsoft.com/office/drawing/2010/main">
+                  <a:solidFill>
+                    <a:srgbClr val="FFFFFF"/>
+                  </a:solidFill>
+                </a14:hiddenFill>
+              </a:ext>
+            </a:extLst>
+          </p:spPr>
+        </p:pic>
+        <p:sp>
+          <p:nvSpPr>
+            <p:cNvPr id="69" name="TextBox 68"/>
+            <p:cNvSpPr txBox="1"/>
+            <p:nvPr/>
+          </p:nvSpPr>
+          <p:spPr>
+            <a:xfrm>
+              <a:off x="4701396" y="2061961"/>
+              <a:ext cx="1820174" cy="646331"/>
+            </a:xfrm>
+            <a:prstGeom prst="rect">
+              <a:avLst/>
+            </a:prstGeom>
+            <a:noFill/>
+          </p:spPr>
+          <p:txBody>
+            <a:bodyPr wrap="square" rtlCol="0">
+              <a:spAutoFit/>
+            </a:bodyPr>
+            <a:lstStyle/>
+            <a:p>
+              <a:r>
+                <a:rPr lang="en-US" sz="1200" dirty="0" smtClean="0"/>
+                <a:t> Areas Of Expertise: Door Window , Table ,Chairs ,Cupboards   </a:t>
+              </a:r>
+              <a:endParaRPr lang="en-US" sz="1200" dirty="0"/>
+            </a:p>
+          </p:txBody>
+        </p:sp>
       </p:grpSp>
+    </p:spTree>
+    <p:extLst>
+      <p:ext uri="{BB962C8B-B14F-4D97-AF65-F5344CB8AC3E}">
+        <p14:creationId xmlns:p14="http://schemas.microsoft.com/office/powerpoint/2010/main" val="2139496351"/>
+      </p:ext>
+    </p:extLst>
+  </p:cSld>
+  <p:clrMapOvr>
+    <a:masterClrMapping/>
+  </p:clrMapOvr>
+  <p:timing>
+    <p:tnLst>
+      <p:par>
+        <p:cTn id="1" dur="indefinite" restart="never" nodeType="tmRoot"/>
+      </p:par>
+    </p:tnLst>
+  </p:timing>
+</p:sld>
+</file>
+
+<file path=ppt/slides/slide6.xml><?xml version="1.0" encoding="utf-8"?>
+<p:sld xmlns:a="http://schemas.openxmlformats.org/drawingml/2006/main" xmlns:r="http://schemas.openxmlformats.org/officeDocument/2006/relationships" xmlns:p="http://schemas.openxmlformats.org/presentationml/2006/main">
+  <p:cSld>
+    <p:spTree>
+      <p:nvGrpSpPr>
+        <p:cNvPr id="1" name=""/>
+        <p:cNvGrpSpPr/>
+        <p:nvPr/>
+      </p:nvGrpSpPr>
+      <p:grpSpPr>
+        <a:xfrm>
+          <a:off x="0" y="0"/>
+          <a:ext cx="0" cy="0"/>
+          <a:chOff x="0" y="0"/>
+          <a:chExt cx="0" cy="0"/>
+        </a:xfrm>
+      </p:grpSpPr>
+      <p:sp>
+        <p:nvSpPr>
+          <p:cNvPr id="4" name="Rectangle 3"/>
+          <p:cNvSpPr/>
+          <p:nvPr/>
+        </p:nvSpPr>
+        <p:spPr>
+          <a:xfrm>
+            <a:off x="3711290" y="219384"/>
+            <a:ext cx="3713018" cy="6220691"/>
+          </a:xfrm>
+          <a:prstGeom prst="rect">
+            <a:avLst/>
+          </a:prstGeom>
+        </p:spPr>
+        <p:style>
+          <a:lnRef idx="1">
+            <a:schemeClr val="accent4"/>
+          </a:lnRef>
+          <a:fillRef idx="2">
+            <a:schemeClr val="accent4"/>
+          </a:fillRef>
+          <a:effectRef idx="1">
+            <a:schemeClr val="accent4"/>
+          </a:effectRef>
+          <a:fontRef idx="minor">
+            <a:schemeClr val="dk1"/>
+          </a:fontRef>
+        </p:style>
+        <p:txBody>
+          <a:bodyPr rtlCol="0" anchor="ctr"/>
+          <a:lstStyle/>
+          <a:p>
+            <a:pPr algn="ctr"/>
+            <a:endParaRPr lang="en-US"/>
+          </a:p>
+        </p:txBody>
+      </p:sp>
+      <p:sp>
+        <p:nvSpPr>
+          <p:cNvPr id="5" name="Rectangle 4"/>
+          <p:cNvSpPr/>
+          <p:nvPr/>
+        </p:nvSpPr>
+        <p:spPr>
+          <a:xfrm>
+            <a:off x="3671454" y="228598"/>
+            <a:ext cx="3715321" cy="741220"/>
+          </a:xfrm>
+          <a:prstGeom prst="rect">
+            <a:avLst/>
+          </a:prstGeom>
+        </p:spPr>
+        <p:style>
+          <a:lnRef idx="0">
+            <a:schemeClr val="dk1"/>
+          </a:lnRef>
+          <a:fillRef idx="3">
+            <a:schemeClr val="dk1"/>
+          </a:fillRef>
+          <a:effectRef idx="3">
+            <a:schemeClr val="dk1"/>
+          </a:effectRef>
+          <a:fontRef idx="minor">
+            <a:schemeClr val="lt1"/>
+          </a:fontRef>
+        </p:style>
+        <p:txBody>
+          <a:bodyPr rtlCol="0" anchor="ctr"/>
+          <a:lstStyle/>
+          <a:p>
+            <a:pPr algn="ctr"/>
+            <a:r>
+              <a:rPr lang="en-US" dirty="0" smtClean="0"/>
+              <a:t>     Ground Floor ,9</a:t>
+            </a:r>
+            <a:r>
+              <a:rPr lang="en-US" baseline="30000" dirty="0" smtClean="0"/>
+              <a:t>th</a:t>
+            </a:r>
+            <a:r>
+              <a:rPr lang="en-US" dirty="0" smtClean="0"/>
+              <a:t> cross ,3</a:t>
+            </a:r>
+            <a:r>
+              <a:rPr lang="en-US" baseline="30000" dirty="0" smtClean="0"/>
+              <a:t>rd</a:t>
+            </a:r>
+            <a:r>
+              <a:rPr lang="en-US" dirty="0" smtClean="0"/>
+              <a:t> Main Tc </a:t>
+            </a:r>
+            <a:r>
+              <a:rPr lang="en-US" dirty="0" err="1" smtClean="0"/>
+              <a:t>Palya</a:t>
+            </a:r>
+            <a:r>
+              <a:rPr lang="en-US" dirty="0" smtClean="0"/>
+              <a:t> </a:t>
+            </a:r>
+            <a:r>
+              <a:rPr lang="en-US" dirty="0"/>
+              <a:t>M</a:t>
+            </a:r>
+            <a:r>
+              <a:rPr lang="en-US" dirty="0" smtClean="0"/>
+              <a:t>ain </a:t>
+            </a:r>
+            <a:r>
+              <a:rPr lang="en-US" dirty="0"/>
+              <a:t>R</a:t>
+            </a:r>
+            <a:r>
+              <a:rPr lang="en-US" dirty="0" smtClean="0"/>
+              <a:t>oad , Ramamurthy Nagar</a:t>
+            </a:r>
+            <a:endParaRPr lang="en-US" dirty="0"/>
+          </a:p>
+        </p:txBody>
+      </p:sp>
+      <p:sp>
+        <p:nvSpPr>
+          <p:cNvPr id="13" name="Teardrop 12"/>
+          <p:cNvSpPr/>
+          <p:nvPr/>
+        </p:nvSpPr>
+        <p:spPr>
+          <a:xfrm rot="8072542">
+            <a:off x="686251" y="1022726"/>
+            <a:ext cx="253120" cy="249833"/>
+          </a:xfrm>
+          <a:prstGeom prst="teardrop">
+            <a:avLst/>
+          </a:prstGeom>
+        </p:spPr>
+        <p:style>
+          <a:lnRef idx="2">
+            <a:schemeClr val="accent1"/>
+          </a:lnRef>
+          <a:fillRef idx="1">
+            <a:schemeClr val="lt1"/>
+          </a:fillRef>
+          <a:effectRef idx="0">
+            <a:schemeClr val="accent1"/>
+          </a:effectRef>
+          <a:fontRef idx="minor">
+            <a:schemeClr val="dk1"/>
+          </a:fontRef>
+        </p:style>
+        <p:txBody>
+          <a:bodyPr rtlCol="0" anchor="ctr"/>
+          <a:lstStyle/>
+          <a:p>
+            <a:pPr algn="ctr"/>
+            <a:endParaRPr lang="en-US" dirty="0"/>
+          </a:p>
+        </p:txBody>
+      </p:sp>
+      <p:sp>
+        <p:nvSpPr>
+          <p:cNvPr id="14" name="Rounded Rectangle 13"/>
+          <p:cNvSpPr/>
+          <p:nvPr/>
+        </p:nvSpPr>
+        <p:spPr>
+          <a:xfrm>
+            <a:off x="3671454" y="969818"/>
+            <a:ext cx="3752853" cy="480190"/>
+          </a:xfrm>
+          <a:prstGeom prst="roundRect">
+            <a:avLst/>
+          </a:prstGeom>
+        </p:spPr>
+        <p:style>
+          <a:lnRef idx="2">
+            <a:schemeClr val="accent4"/>
+          </a:lnRef>
+          <a:fillRef idx="1">
+            <a:schemeClr val="lt1"/>
+          </a:fillRef>
+          <a:effectRef idx="0">
+            <a:schemeClr val="accent4"/>
+          </a:effectRef>
+          <a:fontRef idx="minor">
+            <a:schemeClr val="dk1"/>
+          </a:fontRef>
+        </p:style>
+        <p:txBody>
+          <a:bodyPr rtlCol="0" anchor="ctr"/>
+          <a:lstStyle/>
+          <a:p>
+            <a:pPr algn="ctr"/>
+            <a:r>
+              <a:rPr lang="en-US" dirty="0" smtClean="0"/>
+              <a:t>Search by Name / organization</a:t>
+            </a:r>
+            <a:r>
+              <a:rPr lang="en-US" dirty="0" smtClean="0"/>
+              <a:t> </a:t>
+            </a:r>
+            <a:endParaRPr lang="en-US" dirty="0"/>
+          </a:p>
+        </p:txBody>
+      </p:sp>
+      <p:pic>
+        <p:nvPicPr>
+          <p:cNvPr id="15" name="Picture 14"/>
+          <p:cNvPicPr>
+            <a:picLocks noChangeAspect="1"/>
+          </p:cNvPicPr>
+          <p:nvPr/>
+        </p:nvPicPr>
+        <p:blipFill>
+          <a:blip r:embed="rId2" cstate="print">
+            <a:extLst>
+              <a:ext uri="{28A0092B-C50C-407E-A947-70E740481C1C}">
+                <a14:useLocalDpi xmlns:a14="http://schemas.microsoft.com/office/drawing/2010/main" val="0"/>
+              </a:ext>
+            </a:extLst>
+          </a:blip>
+          <a:stretch>
+            <a:fillRect/>
+          </a:stretch>
+        </p:blipFill>
+        <p:spPr>
+          <a:xfrm>
+            <a:off x="3669151" y="1002246"/>
+            <a:ext cx="447761" cy="447761"/>
+          </a:xfrm>
+          <a:prstGeom prst="rect">
+            <a:avLst/>
+          </a:prstGeom>
+        </p:spPr>
+      </p:pic>
+      <p:pic>
+        <p:nvPicPr>
+          <p:cNvPr id="16" name="Picture 15"/>
+          <p:cNvPicPr>
+            <a:picLocks noChangeAspect="1"/>
+          </p:cNvPicPr>
+          <p:nvPr/>
+        </p:nvPicPr>
+        <p:blipFill>
+          <a:blip r:embed="rId3" cstate="print">
+            <a:extLst>
+              <a:ext uri="{28A0092B-C50C-407E-A947-70E740481C1C}">
+                <a14:useLocalDpi xmlns:a14="http://schemas.microsoft.com/office/drawing/2010/main" val="0"/>
+              </a:ext>
+            </a:extLst>
+          </a:blip>
+          <a:stretch>
+            <a:fillRect/>
+          </a:stretch>
+        </p:blipFill>
+        <p:spPr>
+          <a:xfrm>
+            <a:off x="3767363" y="228598"/>
+            <a:ext cx="251335" cy="406501"/>
+          </a:xfrm>
+          <a:prstGeom prst="rect">
+            <a:avLst/>
+          </a:prstGeom>
+        </p:spPr>
+      </p:pic>
       <p:grpSp>
         <p:nvGrpSpPr>
-          <p:cNvPr id="37" name="Group 36"/>
+          <p:cNvPr id="12" name="Group 11"/>
           <p:cNvGrpSpPr/>
           <p:nvPr/>
         </p:nvGrpSpPr>
         <p:grpSpPr>
           <a:xfrm>
-            <a:off x="3668120" y="3030714"/>
-            <a:ext cx="3716352" cy="773123"/>
-            <a:chOff x="3668120" y="1492175"/>
-            <a:chExt cx="3716352" cy="773123"/>
+            <a:off x="3659646" y="1482459"/>
+            <a:ext cx="3738936" cy="1769722"/>
+            <a:chOff x="3671454" y="1450007"/>
+            <a:chExt cx="3738936" cy="1769722"/>
           </a:xfrm>
         </p:grpSpPr>
         <p:sp>
           <p:nvSpPr>
-            <p:cNvPr id="38" name="Rectangle 37"/>
+            <p:cNvPr id="2" name="Rectangle 1"/>
             <p:cNvSpPr/>
             <p:nvPr/>
           </p:nvSpPr>
           <p:spPr>
             <a:xfrm>
-              <a:off x="3668120" y="1492175"/>
-              <a:ext cx="3716352" cy="773123"/>
+              <a:off x="3694038" y="1450007"/>
+              <a:ext cx="3716352" cy="1769722"/>
             </a:xfrm>
             <a:prstGeom prst="rect">
               <a:avLst/>
@@ -6020,48 +6498,14 @@
         </p:sp>
         <p:sp>
           <p:nvSpPr>
-            <p:cNvPr id="40" name="TextBox 39"/>
-            <p:cNvSpPr txBox="1"/>
-            <p:nvPr/>
-          </p:nvSpPr>
-          <p:spPr>
-            <a:xfrm>
-              <a:off x="4833257" y="1711038"/>
-              <a:ext cx="1476103" cy="369332"/>
-            </a:xfrm>
-            <a:prstGeom prst="rect">
-              <a:avLst/>
-            </a:prstGeom>
-            <a:noFill/>
-          </p:spPr>
-          <p:txBody>
-            <a:bodyPr wrap="square" rtlCol="0">
-              <a:spAutoFit/>
-            </a:bodyPr>
-            <a:lstStyle/>
-            <a:p>
-              <a:r>
-                <a:rPr lang="en-US" dirty="0"/>
-                <a:t> </a:t>
-              </a:r>
-              <a:r>
-                <a:rPr lang="en-US" dirty="0" smtClean="0"/>
-                <a:t>Teacher</a:t>
-              </a:r>
-              <a:endParaRPr lang="en-US" dirty="0"/>
-            </a:p>
-          </p:txBody>
-        </p:sp>
-        <p:sp>
-          <p:nvSpPr>
-            <p:cNvPr id="41" name="Right Arrow 40"/>
+            <p:cNvPr id="7" name="Right Arrow 6"/>
             <p:cNvSpPr/>
             <p:nvPr/>
           </p:nvSpPr>
           <p:spPr>
             <a:xfrm>
-              <a:off x="7023149" y="1711038"/>
-              <a:ext cx="177436" cy="327690"/>
+              <a:off x="7147709" y="2122651"/>
+              <a:ext cx="177436" cy="541218"/>
             </a:xfrm>
             <a:prstGeom prst="rightArrow">
               <a:avLst/>
@@ -6092,31 +6536,162 @@
             </a:p>
           </p:txBody>
         </p:sp>
+        <p:pic>
+          <p:nvPicPr>
+            <p:cNvPr id="44" name="Picture 43"/>
+            <p:cNvPicPr>
+              <a:picLocks noChangeAspect="1"/>
+            </p:cNvPicPr>
+            <p:nvPr/>
+          </p:nvPicPr>
+          <p:blipFill>
+            <a:blip r:embed="rId4" cstate="print">
+              <a:extLst>
+                <a:ext uri="{28A0092B-C50C-407E-A947-70E740481C1C}">
+                  <a14:useLocalDpi xmlns:a14="http://schemas.microsoft.com/office/drawing/2010/main" val="0"/>
+                </a:ext>
+              </a:extLst>
+            </a:blip>
+            <a:stretch>
+              <a:fillRect/>
+            </a:stretch>
+          </p:blipFill>
+          <p:spPr>
+            <a:xfrm>
+              <a:off x="3677715" y="1525151"/>
+              <a:ext cx="825274" cy="675310"/>
+            </a:xfrm>
+            <a:prstGeom prst="rect">
+              <a:avLst/>
+            </a:prstGeom>
+          </p:spPr>
+        </p:pic>
+        <p:sp>
+          <p:nvSpPr>
+            <p:cNvPr id="9" name="TextBox 8"/>
+            <p:cNvSpPr txBox="1"/>
+            <p:nvPr/>
+          </p:nvSpPr>
+          <p:spPr>
+            <a:xfrm>
+              <a:off x="4701396" y="1558203"/>
+              <a:ext cx="2027207" cy="461665"/>
+            </a:xfrm>
+            <a:prstGeom prst="rect">
+              <a:avLst/>
+            </a:prstGeom>
+            <a:noFill/>
+          </p:spPr>
+          <p:txBody>
+            <a:bodyPr wrap="square" rtlCol="0">
+              <a:spAutoFit/>
+            </a:bodyPr>
+            <a:lstStyle/>
+            <a:p>
+              <a:r>
+                <a:rPr lang="en-US" sz="1200" dirty="0" smtClean="0"/>
+                <a:t>Name/ Organization :  Das Carpentry /Tulu Das </a:t>
+              </a:r>
+              <a:endParaRPr lang="en-US" sz="1200" dirty="0"/>
+            </a:p>
+          </p:txBody>
+        </p:sp>
+        <p:pic>
+          <p:nvPicPr>
+            <p:cNvPr id="1026" name="Picture 2" descr="C:\Users\91895\Desktop\pngtube.com-5-star-rating-png-1259472.png"/>
+            <p:cNvPicPr>
+              <a:picLocks noChangeAspect="1" noChangeArrowheads="1"/>
+            </p:cNvPicPr>
+            <p:nvPr/>
+          </p:nvPicPr>
+          <p:blipFill>
+            <a:blip r:embed="rId5" cstate="print">
+              <a:extLst>
+                <a:ext uri="{28A0092B-C50C-407E-A947-70E740481C1C}">
+                  <a14:useLocalDpi xmlns:a14="http://schemas.microsoft.com/office/drawing/2010/main" val="0"/>
+                </a:ext>
+              </a:extLst>
+            </a:blip>
+            <a:srcRect/>
+            <a:stretch>
+              <a:fillRect/>
+            </a:stretch>
+          </p:blipFill>
+          <p:spPr bwMode="auto">
+            <a:xfrm>
+              <a:off x="3671454" y="2279518"/>
+              <a:ext cx="934730" cy="175558"/>
+            </a:xfrm>
+            <a:prstGeom prst="rect">
+              <a:avLst/>
+            </a:prstGeom>
+            <a:noFill/>
+            <a:extLst>
+              <a:ext uri="{909E8E84-426E-40DD-AFC4-6F175D3DCCD1}">
+                <a14:hiddenFill xmlns:a14="http://schemas.microsoft.com/office/drawing/2010/main">
+                  <a:solidFill>
+                    <a:srgbClr val="FFFFFF"/>
+                  </a:solidFill>
+                </a14:hiddenFill>
+              </a:ext>
+            </a:extLst>
+          </p:spPr>
+        </p:pic>
+        <p:sp>
+          <p:nvSpPr>
+            <p:cNvPr id="10" name="TextBox 9"/>
+            <p:cNvSpPr txBox="1"/>
+            <p:nvPr/>
+          </p:nvSpPr>
+          <p:spPr>
+            <a:xfrm>
+              <a:off x="4701396" y="2061961"/>
+              <a:ext cx="1820174" cy="646331"/>
+            </a:xfrm>
+            <a:prstGeom prst="rect">
+              <a:avLst/>
+            </a:prstGeom>
+            <a:noFill/>
+          </p:spPr>
+          <p:txBody>
+            <a:bodyPr wrap="square" rtlCol="0">
+              <a:spAutoFit/>
+            </a:bodyPr>
+            <a:lstStyle/>
+            <a:p>
+              <a:r>
+                <a:rPr lang="en-US" sz="1200" dirty="0" smtClean="0"/>
+                <a:t> Areas Of Expertise: Door Window , Table ,Chairs ,Cupboards   </a:t>
+              </a:r>
+              <a:endParaRPr lang="en-US" sz="1200" dirty="0"/>
+            </a:p>
+          </p:txBody>
+        </p:sp>
       </p:grpSp>
       <p:grpSp>
         <p:nvGrpSpPr>
-          <p:cNvPr id="42" name="Group 41"/>
+          <p:cNvPr id="63" name="Group 62"/>
           <p:cNvGrpSpPr/>
           <p:nvPr/>
         </p:nvGrpSpPr>
         <p:grpSpPr>
           <a:xfrm>
-            <a:off x="3668120" y="3796130"/>
-            <a:ext cx="3716352" cy="773123"/>
-            <a:chOff x="3668120" y="1492175"/>
-            <a:chExt cx="3716352" cy="773123"/>
+            <a:off x="3671454" y="3255567"/>
+            <a:ext cx="3738936" cy="1769722"/>
+            <a:chOff x="3671454" y="1450007"/>
+            <a:chExt cx="3738936" cy="1769722"/>
           </a:xfrm>
         </p:grpSpPr>
         <p:sp>
           <p:nvSpPr>
-            <p:cNvPr id="43" name="Rectangle 42"/>
+            <p:cNvPr id="64" name="Rectangle 63"/>
             <p:cNvSpPr/>
             <p:nvPr/>
           </p:nvSpPr>
           <p:spPr>
             <a:xfrm>
-              <a:off x="3668120" y="1492175"/>
-              <a:ext cx="3716352" cy="773123"/>
+              <a:off x="3694038" y="1450007"/>
+              <a:ext cx="3716352" cy="1769722"/>
             </a:xfrm>
             <a:prstGeom prst="rect">
               <a:avLst/>
@@ -6147,48 +6722,14 @@
         </p:sp>
         <p:sp>
           <p:nvSpPr>
-            <p:cNvPr id="45" name="TextBox 44"/>
-            <p:cNvSpPr txBox="1"/>
-            <p:nvPr/>
-          </p:nvSpPr>
-          <p:spPr>
-            <a:xfrm>
-              <a:off x="4833257" y="1711038"/>
-              <a:ext cx="1763486" cy="369332"/>
-            </a:xfrm>
-            <a:prstGeom prst="rect">
-              <a:avLst/>
-            </a:prstGeom>
-            <a:noFill/>
-          </p:spPr>
-          <p:txBody>
-            <a:bodyPr wrap="square" rtlCol="0">
-              <a:spAutoFit/>
-            </a:bodyPr>
-            <a:lstStyle/>
-            <a:p>
-              <a:r>
-                <a:rPr lang="en-US" dirty="0"/>
-                <a:t> </a:t>
-              </a:r>
-              <a:r>
-                <a:rPr lang="en-US" dirty="0" smtClean="0"/>
-                <a:t>Food Delivery</a:t>
-              </a:r>
-              <a:endParaRPr lang="en-US" dirty="0"/>
-            </a:p>
-          </p:txBody>
-        </p:sp>
-        <p:sp>
-          <p:nvSpPr>
-            <p:cNvPr id="46" name="Right Arrow 45"/>
+            <p:cNvPr id="65" name="Right Arrow 64"/>
             <p:cNvSpPr/>
             <p:nvPr/>
           </p:nvSpPr>
           <p:spPr>
             <a:xfrm>
-              <a:off x="7023149" y="1711038"/>
-              <a:ext cx="177436" cy="327690"/>
+              <a:off x="7147709" y="2122651"/>
+              <a:ext cx="177436" cy="541218"/>
             </a:xfrm>
             <a:prstGeom prst="rightArrow">
               <a:avLst/>
@@ -6219,189 +6760,9 @@
             </a:p>
           </p:txBody>
         </p:sp>
-      </p:grpSp>
-      <p:grpSp>
-        <p:nvGrpSpPr>
-          <p:cNvPr id="47" name="Group 46"/>
-          <p:cNvGrpSpPr/>
-          <p:nvPr/>
-        </p:nvGrpSpPr>
-        <p:grpSpPr>
-          <a:xfrm>
-            <a:off x="3667739" y="4568747"/>
-            <a:ext cx="3716733" cy="773628"/>
-            <a:chOff x="3668120" y="1492175"/>
-            <a:chExt cx="3716352" cy="773123"/>
-          </a:xfrm>
-        </p:grpSpPr>
-        <p:sp>
-          <p:nvSpPr>
-            <p:cNvPr id="48" name="Rectangle 47"/>
-            <p:cNvSpPr/>
-            <p:nvPr/>
-          </p:nvSpPr>
-          <p:spPr>
-            <a:xfrm>
-              <a:off x="3668120" y="1492175"/>
-              <a:ext cx="3716352" cy="773123"/>
-            </a:xfrm>
-            <a:prstGeom prst="rect">
-              <a:avLst/>
-            </a:prstGeom>
-          </p:spPr>
-          <p:style>
-            <a:lnRef idx="2">
-              <a:schemeClr val="dk1"/>
-            </a:lnRef>
-            <a:fillRef idx="1">
-              <a:schemeClr val="lt1"/>
-            </a:fillRef>
-            <a:effectRef idx="0">
-              <a:schemeClr val="dk1"/>
-            </a:effectRef>
-            <a:fontRef idx="minor">
-              <a:schemeClr val="dk1"/>
-            </a:fontRef>
-          </p:style>
-          <p:txBody>
-            <a:bodyPr rtlCol="0" anchor="ctr"/>
-            <a:lstStyle/>
-            <a:p>
-              <a:pPr algn="ctr"/>
-              <a:endParaRPr lang="en-US"/>
-            </a:p>
-          </p:txBody>
-        </p:sp>
-        <p:sp>
-          <p:nvSpPr>
-            <p:cNvPr id="50" name="TextBox 49"/>
-            <p:cNvSpPr txBox="1"/>
-            <p:nvPr/>
-          </p:nvSpPr>
-          <p:spPr>
-            <a:xfrm>
-              <a:off x="4833257" y="1711038"/>
-              <a:ext cx="1763486" cy="369332"/>
-            </a:xfrm>
-            <a:prstGeom prst="rect">
-              <a:avLst/>
-            </a:prstGeom>
-            <a:noFill/>
-          </p:spPr>
-          <p:txBody>
-            <a:bodyPr wrap="square" rtlCol="0">
-              <a:spAutoFit/>
-            </a:bodyPr>
-            <a:lstStyle/>
-            <a:p>
-              <a:r>
-                <a:rPr lang="en-US" dirty="0"/>
-                <a:t> </a:t>
-              </a:r>
-              <a:r>
-                <a:rPr lang="en-US" dirty="0" smtClean="0"/>
-                <a:t>Electrician</a:t>
-              </a:r>
-              <a:endParaRPr lang="en-US" dirty="0"/>
-            </a:p>
-          </p:txBody>
-        </p:sp>
-        <p:sp>
-          <p:nvSpPr>
-            <p:cNvPr id="51" name="Right Arrow 50"/>
-            <p:cNvSpPr/>
-            <p:nvPr/>
-          </p:nvSpPr>
-          <p:spPr>
-            <a:xfrm>
-              <a:off x="7023149" y="1711038"/>
-              <a:ext cx="177436" cy="327690"/>
-            </a:xfrm>
-            <a:prstGeom prst="rightArrow">
-              <a:avLst/>
-            </a:prstGeom>
-          </p:spPr>
-          <p:style>
-            <a:lnRef idx="2">
-              <a:schemeClr val="accent1">
-                <a:shade val="50000"/>
-              </a:schemeClr>
-            </a:lnRef>
-            <a:fillRef idx="1">
-              <a:schemeClr val="accent1"/>
-            </a:fillRef>
-            <a:effectRef idx="0">
-              <a:schemeClr val="accent1"/>
-            </a:effectRef>
-            <a:fontRef idx="minor">
-              <a:schemeClr val="lt1"/>
-            </a:fontRef>
-          </p:style>
-          <p:txBody>
-            <a:bodyPr rtlCol="0" anchor="ctr"/>
-            <a:lstStyle/>
-            <a:p>
-              <a:pPr algn="ctr"/>
-              <a:endParaRPr lang="en-US"/>
-            </a:p>
-          </p:txBody>
-        </p:sp>
-      </p:grpSp>
-      <p:grpSp>
-        <p:nvGrpSpPr>
-          <p:cNvPr id="52" name="Group 51"/>
-          <p:cNvGrpSpPr/>
-          <p:nvPr/>
-        </p:nvGrpSpPr>
-        <p:grpSpPr>
-          <a:xfrm>
-            <a:off x="3668120" y="5334669"/>
-            <a:ext cx="3716352" cy="773123"/>
-            <a:chOff x="3668120" y="1492175"/>
-            <a:chExt cx="3716352" cy="773123"/>
-          </a:xfrm>
-        </p:grpSpPr>
-        <p:sp>
-          <p:nvSpPr>
-            <p:cNvPr id="53" name="Rectangle 52"/>
-            <p:cNvSpPr/>
-            <p:nvPr/>
-          </p:nvSpPr>
-          <p:spPr>
-            <a:xfrm>
-              <a:off x="3668120" y="1492175"/>
-              <a:ext cx="3716352" cy="773123"/>
-            </a:xfrm>
-            <a:prstGeom prst="rect">
-              <a:avLst/>
-            </a:prstGeom>
-          </p:spPr>
-          <p:style>
-            <a:lnRef idx="2">
-              <a:schemeClr val="dk1"/>
-            </a:lnRef>
-            <a:fillRef idx="1">
-              <a:schemeClr val="lt1"/>
-            </a:fillRef>
-            <a:effectRef idx="0">
-              <a:schemeClr val="dk1"/>
-            </a:effectRef>
-            <a:fontRef idx="minor">
-              <a:schemeClr val="dk1"/>
-            </a:fontRef>
-          </p:style>
-          <p:txBody>
-            <a:bodyPr rtlCol="0" anchor="ctr"/>
-            <a:lstStyle/>
-            <a:p>
-              <a:pPr algn="ctr"/>
-              <a:endParaRPr lang="en-US"/>
-            </a:p>
-          </p:txBody>
-        </p:sp>
         <p:pic>
           <p:nvPicPr>
-            <p:cNvPr id="54" name="Picture 53"/>
+            <p:cNvPr id="66" name="Picture 65"/>
             <p:cNvPicPr>
               <a:picLocks noChangeAspect="1"/>
             </p:cNvPicPr>
@@ -6421,8 +6782,8 @@
           </p:blipFill>
           <p:spPr>
             <a:xfrm>
-              <a:off x="3736575" y="1556998"/>
-              <a:ext cx="605737" cy="605737"/>
+              <a:off x="3677715" y="1525151"/>
+              <a:ext cx="825274" cy="675310"/>
             </a:xfrm>
             <a:prstGeom prst="rect">
               <a:avLst/>
@@ -6431,14 +6792,14 @@
         </p:pic>
         <p:sp>
           <p:nvSpPr>
-            <p:cNvPr id="55" name="TextBox 54"/>
+            <p:cNvPr id="67" name="TextBox 66"/>
             <p:cNvSpPr txBox="1"/>
             <p:nvPr/>
           </p:nvSpPr>
           <p:spPr>
             <a:xfrm>
-              <a:off x="4833257" y="1711038"/>
-              <a:ext cx="1763486" cy="369332"/>
+              <a:off x="4701396" y="1558203"/>
+              <a:ext cx="2027207" cy="461665"/>
             </a:xfrm>
             <a:prstGeom prst="rect">
               <a:avLst/>
@@ -6452,257 +6813,90 @@
             <a:lstStyle/>
             <a:p>
               <a:r>
-                <a:rPr lang="en-US" dirty="0"/>
-                <a:t> </a:t>
+                <a:rPr lang="en-US" sz="1200" dirty="0" smtClean="0"/>
+                <a:t>Name/ Organization :  Das Carpentry /Tulu Das </a:t>
               </a:r>
-              <a:r>
-                <a:rPr lang="en-US" dirty="0" smtClean="0"/>
-                <a:t>    CC TV </a:t>
-              </a:r>
-              <a:endParaRPr lang="en-US" dirty="0"/>
+              <a:endParaRPr lang="en-US" sz="1200" dirty="0"/>
             </a:p>
           </p:txBody>
         </p:sp>
+        <p:pic>
+          <p:nvPicPr>
+            <p:cNvPr id="68" name="Picture 2" descr="C:\Users\91895\Desktop\pngtube.com-5-star-rating-png-1259472.png"/>
+            <p:cNvPicPr>
+              <a:picLocks noChangeAspect="1" noChangeArrowheads="1"/>
+            </p:cNvPicPr>
+            <p:nvPr/>
+          </p:nvPicPr>
+          <p:blipFill>
+            <a:blip r:embed="rId5" cstate="print">
+              <a:extLst>
+                <a:ext uri="{28A0092B-C50C-407E-A947-70E740481C1C}">
+                  <a14:useLocalDpi xmlns:a14="http://schemas.microsoft.com/office/drawing/2010/main" val="0"/>
+                </a:ext>
+              </a:extLst>
+            </a:blip>
+            <a:srcRect/>
+            <a:stretch>
+              <a:fillRect/>
+            </a:stretch>
+          </p:blipFill>
+          <p:spPr bwMode="auto">
+            <a:xfrm>
+              <a:off x="3671454" y="2279518"/>
+              <a:ext cx="934730" cy="175558"/>
+            </a:xfrm>
+            <a:prstGeom prst="rect">
+              <a:avLst/>
+            </a:prstGeom>
+            <a:noFill/>
+            <a:extLst>
+              <a:ext uri="{909E8E84-426E-40DD-AFC4-6F175D3DCCD1}">
+                <a14:hiddenFill xmlns:a14="http://schemas.microsoft.com/office/drawing/2010/main">
+                  <a:solidFill>
+                    <a:srgbClr val="FFFFFF"/>
+                  </a:solidFill>
+                </a14:hiddenFill>
+              </a:ext>
+            </a:extLst>
+          </p:spPr>
+        </p:pic>
         <p:sp>
           <p:nvSpPr>
-            <p:cNvPr id="56" name="Right Arrow 55"/>
-            <p:cNvSpPr/>
+            <p:cNvPr id="69" name="TextBox 68"/>
+            <p:cNvSpPr txBox="1"/>
             <p:nvPr/>
           </p:nvSpPr>
           <p:spPr>
             <a:xfrm>
-              <a:off x="7023149" y="1711038"/>
-              <a:ext cx="177436" cy="327690"/>
+              <a:off x="4701396" y="2061961"/>
+              <a:ext cx="1820174" cy="646331"/>
             </a:xfrm>
-            <a:prstGeom prst="rightArrow">
+            <a:prstGeom prst="rect">
               <a:avLst/>
             </a:prstGeom>
+            <a:noFill/>
           </p:spPr>
-          <p:style>
-            <a:lnRef idx="2">
-              <a:schemeClr val="accent1">
-                <a:shade val="50000"/>
-              </a:schemeClr>
-            </a:lnRef>
-            <a:fillRef idx="1">
-              <a:schemeClr val="accent1"/>
-            </a:fillRef>
-            <a:effectRef idx="0">
-              <a:schemeClr val="accent1"/>
-            </a:effectRef>
-            <a:fontRef idx="minor">
-              <a:schemeClr val="lt1"/>
-            </a:fontRef>
-          </p:style>
           <p:txBody>
-            <a:bodyPr rtlCol="0" anchor="ctr"/>
+            <a:bodyPr wrap="square" rtlCol="0">
+              <a:spAutoFit/>
+            </a:bodyPr>
             <a:lstStyle/>
             <a:p>
-              <a:pPr algn="ctr"/>
-              <a:endParaRPr lang="en-US"/>
+              <a:r>
+                <a:rPr lang="en-US" sz="1200" dirty="0" smtClean="0"/>
+                <a:t> Areas Of Expertise: Door Window , Table ,Chairs ,Cupboards   </a:t>
+              </a:r>
+              <a:endParaRPr lang="en-US" sz="1200" dirty="0"/>
             </a:p>
           </p:txBody>
         </p:sp>
       </p:grpSp>
-      <p:sp>
-        <p:nvSpPr>
-          <p:cNvPr id="57" name="TextBox 56"/>
-          <p:cNvSpPr txBox="1"/>
-          <p:nvPr/>
-        </p:nvSpPr>
-        <p:spPr>
-          <a:xfrm>
-            <a:off x="7955280" y="431848"/>
-            <a:ext cx="4075611" cy="4801314"/>
-          </a:xfrm>
-          <a:prstGeom prst="rect">
-            <a:avLst/>
-          </a:prstGeom>
-          <a:noFill/>
-        </p:spPr>
-        <p:txBody>
-          <a:bodyPr wrap="square" rtlCol="0">
-            <a:spAutoFit/>
-          </a:bodyPr>
-          <a:lstStyle/>
-          <a:p>
-            <a:pPr marL="342900" indent="-342900">
-              <a:buAutoNum type="arabicParenR"/>
-            </a:pPr>
-            <a:r>
-              <a:rPr lang="en-US" dirty="0" smtClean="0"/>
-              <a:t>Grocery and vegetables delivery</a:t>
-            </a:r>
-          </a:p>
-          <a:p>
-            <a:pPr marL="342900" indent="-342900">
-              <a:buAutoNum type="arabicParenR"/>
-            </a:pPr>
-            <a:r>
-              <a:rPr lang="en-US" dirty="0" smtClean="0"/>
-              <a:t>Photography</a:t>
-            </a:r>
-          </a:p>
-          <a:p>
-            <a:pPr marL="342900" indent="-342900">
-              <a:buAutoNum type="arabicParenR"/>
-            </a:pPr>
-            <a:r>
-              <a:rPr lang="en-US" dirty="0" smtClean="0"/>
-              <a:t>Ambulance service</a:t>
-            </a:r>
-          </a:p>
-          <a:p>
-            <a:pPr marL="342900" indent="-342900">
-              <a:buAutoNum type="arabicParenR"/>
-            </a:pPr>
-            <a:r>
-              <a:rPr lang="en-US" dirty="0" smtClean="0"/>
-              <a:t>Local Transportation</a:t>
-            </a:r>
-          </a:p>
-          <a:p>
-            <a:pPr marL="342900" indent="-342900">
-              <a:buAutoNum type="arabicParenR"/>
-            </a:pPr>
-            <a:r>
-              <a:rPr lang="en-US" dirty="0" smtClean="0"/>
-              <a:t>Out of station Transportation</a:t>
-            </a:r>
-          </a:p>
-          <a:p>
-            <a:pPr marL="342900" indent="-342900">
-              <a:buAutoNum type="arabicParenR"/>
-            </a:pPr>
-            <a:r>
-              <a:rPr lang="en-US" dirty="0" smtClean="0"/>
-              <a:t>Ac and Refrigerator service </a:t>
-            </a:r>
-          </a:p>
-          <a:p>
-            <a:pPr marL="342900" indent="-342900">
-              <a:buAutoNum type="arabicParenR"/>
-            </a:pPr>
-            <a:r>
-              <a:rPr lang="en-US" dirty="0" smtClean="0"/>
-              <a:t>Mobile Repairing Service</a:t>
-            </a:r>
-          </a:p>
-          <a:p>
-            <a:pPr marL="342900" indent="-342900">
-              <a:buAutoNum type="arabicParenR"/>
-            </a:pPr>
-            <a:r>
-              <a:rPr lang="en-US" dirty="0" smtClean="0"/>
-              <a:t>Advocates</a:t>
-            </a:r>
-          </a:p>
-          <a:p>
-            <a:pPr marL="342900" indent="-342900">
-              <a:buAutoNum type="arabicParenR"/>
-            </a:pPr>
-            <a:r>
-              <a:rPr lang="en-US" dirty="0" smtClean="0"/>
-              <a:t>Catering</a:t>
-            </a:r>
-          </a:p>
-          <a:p>
-            <a:pPr marL="342900" indent="-342900">
-              <a:buAutoNum type="arabicParenR"/>
-            </a:pPr>
-            <a:r>
-              <a:rPr lang="en-US" dirty="0" smtClean="0"/>
-              <a:t>Tent House</a:t>
-            </a:r>
-          </a:p>
-          <a:p>
-            <a:pPr marL="342900" indent="-342900">
-              <a:buAutoNum type="arabicParenR"/>
-            </a:pPr>
-            <a:r>
-              <a:rPr lang="en-US" dirty="0" smtClean="0"/>
-              <a:t>Milk delivery</a:t>
-            </a:r>
-          </a:p>
-          <a:p>
-            <a:pPr marL="342900" indent="-342900">
-              <a:buAutoNum type="arabicParenR"/>
-            </a:pPr>
-            <a:r>
-              <a:rPr lang="en-US" dirty="0" smtClean="0"/>
-              <a:t>Marriage Hall</a:t>
-            </a:r>
-          </a:p>
-          <a:p>
-            <a:pPr marL="342900" indent="-342900">
-              <a:buAutoNum type="arabicParenR"/>
-            </a:pPr>
-            <a:r>
-              <a:rPr lang="en-US" dirty="0" smtClean="0"/>
-              <a:t>Construction</a:t>
-            </a:r>
-          </a:p>
-          <a:p>
-            <a:pPr marL="342900" indent="-342900">
-              <a:buAutoNum type="arabicParenR"/>
-            </a:pPr>
-            <a:endParaRPr lang="en-US" dirty="0" smtClean="0"/>
-          </a:p>
-          <a:p>
-            <a:pPr marL="342900" indent="-342900">
-              <a:buAutoNum type="arabicParenR"/>
-            </a:pPr>
-            <a:endParaRPr lang="en-US" dirty="0" smtClean="0"/>
-          </a:p>
-          <a:p>
-            <a:pPr marL="342900" indent="-342900">
-              <a:buAutoNum type="arabicParenR"/>
-            </a:pPr>
-            <a:endParaRPr lang="en-US" dirty="0" smtClean="0"/>
-          </a:p>
-          <a:p>
-            <a:pPr marL="342900" indent="-342900">
-              <a:buAutoNum type="arabicParenR"/>
-            </a:pPr>
-            <a:endParaRPr lang="en-US" dirty="0"/>
-          </a:p>
-        </p:txBody>
-      </p:sp>
       <p:pic>
         <p:nvPicPr>
-          <p:cNvPr id="58" name="Picture 57"/>
+          <p:cNvPr id="2050" name="Picture 2" descr="C:\Users\91895\Desktop\filter.png"/>
           <p:cNvPicPr>
-            <a:picLocks noChangeAspect="1"/>
-          </p:cNvPicPr>
-          <p:nvPr/>
-        </p:nvPicPr>
-        <p:blipFill>
-          <a:blip r:embed="rId5" cstate="print">
-            <a:extLst>
-              <a:ext uri="{28A0092B-C50C-407E-A947-70E740481C1C}">
-                <a14:useLocalDpi xmlns:a14="http://schemas.microsoft.com/office/drawing/2010/main" val="0"/>
-              </a:ext>
-            </a:extLst>
-          </a:blip>
-          <a:stretch>
-            <a:fillRect/>
-          </a:stretch>
-        </p:blipFill>
-        <p:spPr>
-          <a:xfrm>
-            <a:off x="3784808" y="2381598"/>
-            <a:ext cx="546553" cy="546553"/>
-          </a:xfrm>
-          <a:prstGeom prst="rect">
-            <a:avLst/>
-          </a:prstGeom>
-        </p:spPr>
-      </p:pic>
-      <p:pic>
-        <p:nvPicPr>
-          <p:cNvPr id="59" name="Picture 58"/>
-          <p:cNvPicPr>
-            <a:picLocks noChangeAspect="1"/>
+            <a:picLocks noChangeAspect="1" noChangeArrowheads="1"/>
           </p:cNvPicPr>
           <p:nvPr/>
         </p:nvPicPr>
@@ -6714,84 +6908,35 @@
               </a:ext>
             </a:extLst>
           </a:blip>
+          <a:srcRect/>
           <a:stretch>
             <a:fillRect/>
           </a:stretch>
         </p:blipFill>
-        <p:spPr>
-          <a:xfrm>
-            <a:off x="3803048" y="3111411"/>
-            <a:ext cx="539264" cy="539264"/>
+        <p:spPr bwMode="auto">
+          <a:xfrm>
+            <a:off x="7030288" y="1055987"/>
+            <a:ext cx="283049" cy="283049"/>
           </a:xfrm>
           <a:prstGeom prst="rect">
             <a:avLst/>
           </a:prstGeom>
-        </p:spPr>
-      </p:pic>
-      <p:pic>
-        <p:nvPicPr>
-          <p:cNvPr id="60" name="Picture 59"/>
-          <p:cNvPicPr>
-            <a:picLocks noChangeAspect="1"/>
-          </p:cNvPicPr>
-          <p:nvPr/>
-        </p:nvPicPr>
-        <p:blipFill>
-          <a:blip r:embed="rId7" cstate="print">
-            <a:extLst>
-              <a:ext uri="{28A0092B-C50C-407E-A947-70E740481C1C}">
-                <a14:useLocalDpi xmlns:a14="http://schemas.microsoft.com/office/drawing/2010/main" val="0"/>
-              </a:ext>
-            </a:extLst>
-          </a:blip>
-          <a:stretch>
-            <a:fillRect/>
-          </a:stretch>
-        </p:blipFill>
-        <p:spPr>
-          <a:xfrm>
-            <a:off x="3714450" y="3860953"/>
-            <a:ext cx="687267" cy="738151"/>
-          </a:xfrm>
-          <a:prstGeom prst="rect">
-            <a:avLst/>
-          </a:prstGeom>
-        </p:spPr>
-      </p:pic>
-      <p:pic>
-        <p:nvPicPr>
-          <p:cNvPr id="61" name="Picture 60"/>
-          <p:cNvPicPr>
-            <a:picLocks noChangeAspect="1"/>
-          </p:cNvPicPr>
-          <p:nvPr/>
-        </p:nvPicPr>
-        <p:blipFill>
-          <a:blip r:embed="rId8" cstate="print">
-            <a:extLst>
-              <a:ext uri="{28A0092B-C50C-407E-A947-70E740481C1C}">
-                <a14:useLocalDpi xmlns:a14="http://schemas.microsoft.com/office/drawing/2010/main" val="0"/>
-              </a:ext>
-            </a:extLst>
-          </a:blip>
-          <a:stretch>
-            <a:fillRect/>
-          </a:stretch>
-        </p:blipFill>
-        <p:spPr>
-          <a:xfrm>
-            <a:off x="3803047" y="4678777"/>
-            <a:ext cx="598775" cy="598775"/>
-          </a:xfrm>
-          <a:prstGeom prst="rect">
-            <a:avLst/>
-          </a:prstGeom>
+          <a:noFill/>
+          <a:extLst>
+            <a:ext uri="{909E8E84-426E-40DD-AFC4-6F175D3DCCD1}">
+              <a14:hiddenFill xmlns:a14="http://schemas.microsoft.com/office/drawing/2010/main">
+                <a:solidFill>
+                  <a:srgbClr val="FFFFFF"/>
+                </a:solidFill>
+              </a14:hiddenFill>
+            </a:ext>
+          </a:extLst>
         </p:spPr>
       </p:pic>
     </p:spTree>
     <p:extLst>
       <p:ext uri="{BB962C8B-B14F-4D97-AF65-F5344CB8AC3E}">
-        <p14:creationId xmlns:p14="http://schemas.microsoft.com/office/powerpoint/2010/main" val="2139496351"/>
+        <p14:creationId xmlns:p14="http://schemas.microsoft.com/office/powerpoint/2010/main" val="3586974252"/>
       </p:ext>
     </p:extLst>
   </p:cSld>
@@ -6851,7 +6996,7 @@
     </a:clrScheme>
     <a:fontScheme name="Office">
       <a:majorFont>
-        <a:latin typeface="Calibri Light" panose="020F0302020204030204"/>
+        <a:latin typeface="Calibri Light"/>
         <a:ea typeface=""/>
         <a:cs typeface=""/>
         <a:font script="Jpan" typeface="游ゴシック Light"/>
@@ -6886,7 +7031,7 @@
         <a:font script="Geor" typeface="Sylfaen"/>
       </a:majorFont>
       <a:minorFont>
-        <a:latin typeface="Calibri" panose="020F0502020204030204"/>
+        <a:latin typeface="Calibri"/>
         <a:ea typeface=""/>
         <a:cs typeface=""/>
         <a:font script="Jpan" typeface="游ゴシック"/>
@@ -7063,7 +7208,7 @@
   <a:extraClrSchemeLst/>
   <a:extLst>
     <a:ext uri="{05A4C25C-085E-4340-85A3-A5531E510DB2}">
-      <thm15:themeFamily xmlns:thm15="http://schemas.microsoft.com/office/thememl/2012/main" name="Office Theme" id="{62F939B6-93AF-4DB8-9C6B-D6C7DFDC589F}" vid="{4A3C46E8-61CC-4603-A589-7422A47A8E4A}"/>
+      <thm15:themeFamily xmlns:thm15="http://schemas.microsoft.com/office/thememl/2012/main" xmlns="" name="Office Theme" id="{62F939B6-93AF-4DB8-9C6B-D6C7DFDC589F}" vid="{4A3C46E8-61CC-4603-A589-7422A47A8E4A}"/>
     </a:ext>
   </a:extLst>
 </a:theme>

--- a/android/design idea.pptx
+++ b/android/design idea.pptx
@@ -111,7 +111,7 @@
   </p:defaultTextStyle>
   <p:extLst>
     <p:ext uri="{EFAFB233-063F-42B5-8137-9DF3F51BA10A}">
-      <p15:sldGuideLst xmlns:p15="http://schemas.microsoft.com/office/powerpoint/2012/main" xmlns=""/>
+      <p15:sldGuideLst xmlns="" xmlns:p15="http://schemas.microsoft.com/office/powerpoint/2012/main"/>
     </p:ext>
   </p:extLst>
 </p:presentation>
@@ -248,7 +248,7 @@
           <a:p>
             <a:fld id="{96C534D8-0294-430D-960A-0D5D59FF66B8}" type="datetimeFigureOut">
               <a:rPr lang="en-US" smtClean="0"/>
-              <a:t>11/10/2019</a:t>
+              <a:t>11/11/2019</a:t>
             </a:fld>
             <a:endParaRPr lang="en-US"/>
           </a:p>
@@ -418,7 +418,7 @@
           <a:p>
             <a:fld id="{96C534D8-0294-430D-960A-0D5D59FF66B8}" type="datetimeFigureOut">
               <a:rPr lang="en-US" smtClean="0"/>
-              <a:t>11/10/2019</a:t>
+              <a:t>11/11/2019</a:t>
             </a:fld>
             <a:endParaRPr lang="en-US"/>
           </a:p>
@@ -598,7 +598,7 @@
           <a:p>
             <a:fld id="{96C534D8-0294-430D-960A-0D5D59FF66B8}" type="datetimeFigureOut">
               <a:rPr lang="en-US" smtClean="0"/>
-              <a:t>11/10/2019</a:t>
+              <a:t>11/11/2019</a:t>
             </a:fld>
             <a:endParaRPr lang="en-US"/>
           </a:p>
@@ -768,7 +768,7 @@
           <a:p>
             <a:fld id="{96C534D8-0294-430D-960A-0D5D59FF66B8}" type="datetimeFigureOut">
               <a:rPr lang="en-US" smtClean="0"/>
-              <a:t>11/10/2019</a:t>
+              <a:t>11/11/2019</a:t>
             </a:fld>
             <a:endParaRPr lang="en-US"/>
           </a:p>
@@ -1014,7 +1014,7 @@
           <a:p>
             <a:fld id="{96C534D8-0294-430D-960A-0D5D59FF66B8}" type="datetimeFigureOut">
               <a:rPr lang="en-US" smtClean="0"/>
-              <a:t>11/10/2019</a:t>
+              <a:t>11/11/2019</a:t>
             </a:fld>
             <a:endParaRPr lang="en-US"/>
           </a:p>
@@ -1246,7 +1246,7 @@
           <a:p>
             <a:fld id="{96C534D8-0294-430D-960A-0D5D59FF66B8}" type="datetimeFigureOut">
               <a:rPr lang="en-US" smtClean="0"/>
-              <a:t>11/10/2019</a:t>
+              <a:t>11/11/2019</a:t>
             </a:fld>
             <a:endParaRPr lang="en-US"/>
           </a:p>
@@ -1613,7 +1613,7 @@
           <a:p>
             <a:fld id="{96C534D8-0294-430D-960A-0D5D59FF66B8}" type="datetimeFigureOut">
               <a:rPr lang="en-US" smtClean="0"/>
-              <a:t>11/10/2019</a:t>
+              <a:t>11/11/2019</a:t>
             </a:fld>
             <a:endParaRPr lang="en-US"/>
           </a:p>
@@ -1731,7 +1731,7 @@
           <a:p>
             <a:fld id="{96C534D8-0294-430D-960A-0D5D59FF66B8}" type="datetimeFigureOut">
               <a:rPr lang="en-US" smtClean="0"/>
-              <a:t>11/10/2019</a:t>
+              <a:t>11/11/2019</a:t>
             </a:fld>
             <a:endParaRPr lang="en-US"/>
           </a:p>
@@ -1826,7 +1826,7 @@
           <a:p>
             <a:fld id="{96C534D8-0294-430D-960A-0D5D59FF66B8}" type="datetimeFigureOut">
               <a:rPr lang="en-US" smtClean="0"/>
-              <a:t>11/10/2019</a:t>
+              <a:t>11/11/2019</a:t>
             </a:fld>
             <a:endParaRPr lang="en-US"/>
           </a:p>
@@ -2103,7 +2103,7 @@
           <a:p>
             <a:fld id="{96C534D8-0294-430D-960A-0D5D59FF66B8}" type="datetimeFigureOut">
               <a:rPr lang="en-US" smtClean="0"/>
-              <a:t>11/10/2019</a:t>
+              <a:t>11/11/2019</a:t>
             </a:fld>
             <a:endParaRPr lang="en-US"/>
           </a:p>
@@ -2356,7 +2356,7 @@
           <a:p>
             <a:fld id="{96C534D8-0294-430D-960A-0D5D59FF66B8}" type="datetimeFigureOut">
               <a:rPr lang="en-US" smtClean="0"/>
-              <a:t>11/10/2019</a:t>
+              <a:t>11/11/2019</a:t>
             </a:fld>
             <a:endParaRPr lang="en-US"/>
           </a:p>
@@ -2569,7 +2569,7 @@
           <a:p>
             <a:fld id="{96C534D8-0294-430D-960A-0D5D59FF66B8}" type="datetimeFigureOut">
               <a:rPr lang="en-US" smtClean="0"/>
-              <a:t>11/10/2019</a:t>
+              <a:t>11/11/2019</a:t>
             </a:fld>
             <a:endParaRPr lang="en-US"/>
           </a:p>
@@ -5625,11 +5625,7 @@
             <a:pPr algn="ctr"/>
             <a:r>
               <a:rPr lang="en-US" dirty="0" smtClean="0"/>
-              <a:t>Search by Name / organization</a:t>
-            </a:r>
-            <a:r>
-              <a:rPr lang="en-US" dirty="0" smtClean="0"/>
-              <a:t> </a:t>
+              <a:t>Search by Name / organization </a:t>
             </a:r>
             <a:endParaRPr lang="en-US" dirty="0"/>
           </a:p>
@@ -6374,11 +6370,7 @@
             <a:pPr algn="ctr"/>
             <a:r>
               <a:rPr lang="en-US" dirty="0" smtClean="0"/>
-              <a:t>Search by Name / organization</a:t>
-            </a:r>
-            <a:r>
-              <a:rPr lang="en-US" dirty="0" smtClean="0"/>
-              <a:t> </a:t>
+              <a:t>Search by Name / organization </a:t>
             </a:r>
             <a:endParaRPr lang="en-US" dirty="0"/>
           </a:p>
@@ -7208,7 +7200,7 @@
   <a:extraClrSchemeLst/>
   <a:extLst>
     <a:ext uri="{05A4C25C-085E-4340-85A3-A5531E510DB2}">
-      <thm15:themeFamily xmlns:thm15="http://schemas.microsoft.com/office/thememl/2012/main" xmlns="" name="Office Theme" id="{62F939B6-93AF-4DB8-9C6B-D6C7DFDC589F}" vid="{4A3C46E8-61CC-4603-A589-7422A47A8E4A}"/>
+      <thm15:themeFamily xmlns="" xmlns:thm15="http://schemas.microsoft.com/office/thememl/2012/main" name="Office Theme" id="{62F939B6-93AF-4DB8-9C6B-D6C7DFDC589F}" vid="{4A3C46E8-61CC-4603-A589-7422A47A8E4A}"/>
     </a:ext>
   </a:extLst>
 </a:theme>

--- a/android/design idea.pptx
+++ b/android/design idea.pptx
@@ -8,9 +8,9 @@
     <p:sldId id="256" r:id="rId2"/>
     <p:sldId id="258" r:id="rId3"/>
     <p:sldId id="257" r:id="rId4"/>
-    <p:sldId id="259" r:id="rId5"/>
-    <p:sldId id="260" r:id="rId6"/>
-    <p:sldId id="261" r:id="rId7"/>
+    <p:sldId id="263" r:id="rId5"/>
+    <p:sldId id="259" r:id="rId6"/>
+    <p:sldId id="260" r:id="rId7"/>
   </p:sldIdLst>
   <p:sldSz cx="12192000" cy="6858000"/>
   <p:notesSz cx="6858000" cy="9144000"/>
@@ -111,7 +111,7 @@
   </p:defaultTextStyle>
   <p:extLst>
     <p:ext uri="{EFAFB233-063F-42B5-8137-9DF3F51BA10A}">
-      <p15:sldGuideLst xmlns="" xmlns:p15="http://schemas.microsoft.com/office/powerpoint/2012/main"/>
+      <p15:sldGuideLst xmlns:p15="http://schemas.microsoft.com/office/powerpoint/2012/main" xmlns=""/>
     </p:ext>
   </p:extLst>
 </p:presentation>
@@ -248,7 +248,7 @@
           <a:p>
             <a:fld id="{96C534D8-0294-430D-960A-0D5D59FF66B8}" type="datetimeFigureOut">
               <a:rPr lang="en-US" smtClean="0"/>
-              <a:t>11/11/2019</a:t>
+              <a:t>11/18/2019</a:t>
             </a:fld>
             <a:endParaRPr lang="en-US"/>
           </a:p>
@@ -418,7 +418,7 @@
           <a:p>
             <a:fld id="{96C534D8-0294-430D-960A-0D5D59FF66B8}" type="datetimeFigureOut">
               <a:rPr lang="en-US" smtClean="0"/>
-              <a:t>11/11/2019</a:t>
+              <a:t>11/18/2019</a:t>
             </a:fld>
             <a:endParaRPr lang="en-US"/>
           </a:p>
@@ -598,7 +598,7 @@
           <a:p>
             <a:fld id="{96C534D8-0294-430D-960A-0D5D59FF66B8}" type="datetimeFigureOut">
               <a:rPr lang="en-US" smtClean="0"/>
-              <a:t>11/11/2019</a:t>
+              <a:t>11/18/2019</a:t>
             </a:fld>
             <a:endParaRPr lang="en-US"/>
           </a:p>
@@ -768,7 +768,7 @@
           <a:p>
             <a:fld id="{96C534D8-0294-430D-960A-0D5D59FF66B8}" type="datetimeFigureOut">
               <a:rPr lang="en-US" smtClean="0"/>
-              <a:t>11/11/2019</a:t>
+              <a:t>11/18/2019</a:t>
             </a:fld>
             <a:endParaRPr lang="en-US"/>
           </a:p>
@@ -1014,7 +1014,7 @@
           <a:p>
             <a:fld id="{96C534D8-0294-430D-960A-0D5D59FF66B8}" type="datetimeFigureOut">
               <a:rPr lang="en-US" smtClean="0"/>
-              <a:t>11/11/2019</a:t>
+              <a:t>11/18/2019</a:t>
             </a:fld>
             <a:endParaRPr lang="en-US"/>
           </a:p>
@@ -1246,7 +1246,7 @@
           <a:p>
             <a:fld id="{96C534D8-0294-430D-960A-0D5D59FF66B8}" type="datetimeFigureOut">
               <a:rPr lang="en-US" smtClean="0"/>
-              <a:t>11/11/2019</a:t>
+              <a:t>11/18/2019</a:t>
             </a:fld>
             <a:endParaRPr lang="en-US"/>
           </a:p>
@@ -1613,7 +1613,7 @@
           <a:p>
             <a:fld id="{96C534D8-0294-430D-960A-0D5D59FF66B8}" type="datetimeFigureOut">
               <a:rPr lang="en-US" smtClean="0"/>
-              <a:t>11/11/2019</a:t>
+              <a:t>11/18/2019</a:t>
             </a:fld>
             <a:endParaRPr lang="en-US"/>
           </a:p>
@@ -1731,7 +1731,7 @@
           <a:p>
             <a:fld id="{96C534D8-0294-430D-960A-0D5D59FF66B8}" type="datetimeFigureOut">
               <a:rPr lang="en-US" smtClean="0"/>
-              <a:t>11/11/2019</a:t>
+              <a:t>11/18/2019</a:t>
             </a:fld>
             <a:endParaRPr lang="en-US"/>
           </a:p>
@@ -1826,7 +1826,7 @@
           <a:p>
             <a:fld id="{96C534D8-0294-430D-960A-0D5D59FF66B8}" type="datetimeFigureOut">
               <a:rPr lang="en-US" smtClean="0"/>
-              <a:t>11/11/2019</a:t>
+              <a:t>11/18/2019</a:t>
             </a:fld>
             <a:endParaRPr lang="en-US"/>
           </a:p>
@@ -2103,7 +2103,7 @@
           <a:p>
             <a:fld id="{96C534D8-0294-430D-960A-0D5D59FF66B8}" type="datetimeFigureOut">
               <a:rPr lang="en-US" smtClean="0"/>
-              <a:t>11/11/2019</a:t>
+              <a:t>11/18/2019</a:t>
             </a:fld>
             <a:endParaRPr lang="en-US"/>
           </a:p>
@@ -2356,7 +2356,7 @@
           <a:p>
             <a:fld id="{96C534D8-0294-430D-960A-0D5D59FF66B8}" type="datetimeFigureOut">
               <a:rPr lang="en-US" smtClean="0"/>
-              <a:t>11/11/2019</a:t>
+              <a:t>11/18/2019</a:t>
             </a:fld>
             <a:endParaRPr lang="en-US"/>
           </a:p>
@@ -2569,7 +2569,7 @@
           <a:p>
             <a:fld id="{96C534D8-0294-430D-960A-0D5D59FF66B8}" type="datetimeFigureOut">
               <a:rPr lang="en-US" smtClean="0"/>
-              <a:t>11/11/2019</a:t>
+              <a:t>11/18/2019</a:t>
             </a:fld>
             <a:endParaRPr lang="en-US"/>
           </a:p>
@@ -3741,7 +3741,108 @@
       </p:grpSpPr>
       <p:sp>
         <p:nvSpPr>
-          <p:cNvPr id="4" name="Rectangle 3"/>
+          <p:cNvPr id="13" name="Teardrop 12"/>
+          <p:cNvSpPr/>
+          <p:nvPr/>
+        </p:nvSpPr>
+        <p:spPr>
+          <a:xfrm rot="8072542">
+            <a:off x="686251" y="1022726"/>
+            <a:ext cx="253120" cy="249833"/>
+          </a:xfrm>
+          <a:prstGeom prst="teardrop">
+            <a:avLst/>
+          </a:prstGeom>
+        </p:spPr>
+        <p:style>
+          <a:lnRef idx="2">
+            <a:schemeClr val="accent1"/>
+          </a:lnRef>
+          <a:fillRef idx="1">
+            <a:schemeClr val="lt1"/>
+          </a:fillRef>
+          <a:effectRef idx="0">
+            <a:schemeClr val="accent1"/>
+          </a:effectRef>
+          <a:fontRef idx="minor">
+            <a:schemeClr val="dk1"/>
+          </a:fontRef>
+        </p:style>
+        <p:txBody>
+          <a:bodyPr rtlCol="0" anchor="ctr"/>
+          <a:lstStyle/>
+          <a:p>
+            <a:pPr algn="ctr"/>
+            <a:endParaRPr lang="en-US" dirty="0"/>
+          </a:p>
+        </p:txBody>
+      </p:sp>
+      <p:cxnSp>
+        <p:nvCxnSpPr>
+          <p:cNvPr id="3" name="Straight Arrow Connector 2"/>
+          <p:cNvCxnSpPr/>
+          <p:nvPr/>
+        </p:nvCxnSpPr>
+        <p:spPr>
+          <a:xfrm flipH="1">
+            <a:off x="8057072" y="431848"/>
+            <a:ext cx="1104181" cy="0"/>
+          </a:xfrm>
+          <a:prstGeom prst="straightConnector1">
+            <a:avLst/>
+          </a:prstGeom>
+          <a:ln>
+            <a:tailEnd type="arrow"/>
+          </a:ln>
+        </p:spPr>
+        <p:style>
+          <a:lnRef idx="1">
+            <a:schemeClr val="accent1"/>
+          </a:lnRef>
+          <a:fillRef idx="0">
+            <a:schemeClr val="accent1"/>
+          </a:fillRef>
+          <a:effectRef idx="0">
+            <a:schemeClr val="accent1"/>
+          </a:effectRef>
+          <a:fontRef idx="minor">
+            <a:schemeClr val="tx1"/>
+          </a:fontRef>
+        </p:style>
+      </p:cxnSp>
+      <p:sp>
+        <p:nvSpPr>
+          <p:cNvPr id="6" name="TextBox 5"/>
+          <p:cNvSpPr txBox="1"/>
+          <p:nvPr/>
+        </p:nvSpPr>
+        <p:spPr>
+          <a:xfrm>
+            <a:off x="9523562" y="219384"/>
+            <a:ext cx="2156604" cy="646331"/>
+          </a:xfrm>
+          <a:prstGeom prst="rect">
+            <a:avLst/>
+          </a:prstGeom>
+          <a:noFill/>
+        </p:spPr>
+        <p:txBody>
+          <a:bodyPr wrap="square" rtlCol="0">
+            <a:spAutoFit/>
+          </a:bodyPr>
+          <a:lstStyle/>
+          <a:p>
+            <a:r>
+              <a:rPr lang="en-US" dirty="0" smtClean="0"/>
+              <a:t>After clicking of the address bar</a:t>
+            </a:r>
+            <a:endParaRPr lang="en-US" dirty="0"/>
+          </a:p>
+        </p:txBody>
+      </p:sp>
+      <p:sp>
+        <p:nvSpPr>
+          <p:cNvPr id="23" name="Rectangle 22"/>
           <p:cNvSpPr/>
           <p:nvPr/>
         </p:nvSpPr>
@@ -3779,7 +3880,7 @@
       </p:sp>
       <p:sp>
         <p:nvSpPr>
-          <p:cNvPr id="5" name="Rectangle 4"/>
+          <p:cNvPr id="24" name="Rectangle 23"/>
           <p:cNvSpPr/>
           <p:nvPr/>
         </p:nvSpPr>
@@ -3861,45 +3962,7 @@
       </p:sp>
       <p:sp>
         <p:nvSpPr>
-          <p:cNvPr id="13" name="Teardrop 12"/>
-          <p:cNvSpPr/>
-          <p:nvPr/>
-        </p:nvSpPr>
-        <p:spPr>
-          <a:xfrm rot="8072542">
-            <a:off x="686251" y="1022726"/>
-            <a:ext cx="253120" cy="249833"/>
-          </a:xfrm>
-          <a:prstGeom prst="teardrop">
-            <a:avLst/>
-          </a:prstGeom>
-        </p:spPr>
-        <p:style>
-          <a:lnRef idx="2">
-            <a:schemeClr val="accent1"/>
-          </a:lnRef>
-          <a:fillRef idx="1">
-            <a:schemeClr val="lt1"/>
-          </a:fillRef>
-          <a:effectRef idx="0">
-            <a:schemeClr val="accent1"/>
-          </a:effectRef>
-          <a:fontRef idx="minor">
-            <a:schemeClr val="dk1"/>
-          </a:fontRef>
-        </p:style>
-        <p:txBody>
-          <a:bodyPr rtlCol="0" anchor="ctr"/>
-          <a:lstStyle/>
-          <a:p>
-            <a:pPr algn="ctr"/>
-            <a:endParaRPr lang="en-US" dirty="0"/>
-          </a:p>
-        </p:txBody>
-      </p:sp>
-      <p:sp>
-        <p:nvSpPr>
-          <p:cNvPr id="14" name="Rounded Rectangle 13"/>
+          <p:cNvPr id="25" name="Rounded Rectangle 24"/>
           <p:cNvSpPr/>
           <p:nvPr/>
         </p:nvSpPr>
@@ -3941,7 +4004,7 @@
       </p:sp>
       <p:pic>
         <p:nvPicPr>
-          <p:cNvPr id="15" name="Picture 14"/>
+          <p:cNvPr id="26" name="Picture 25"/>
           <p:cNvPicPr>
             <a:picLocks noChangeAspect="1"/>
           </p:cNvPicPr>
@@ -3971,7 +4034,7 @@
       </p:pic>
       <p:pic>
         <p:nvPicPr>
-          <p:cNvPr id="16" name="Picture 15"/>
+          <p:cNvPr id="27" name="Picture 26"/>
           <p:cNvPicPr>
             <a:picLocks noChangeAspect="1"/>
           </p:cNvPicPr>
@@ -4020,6 +4083,847 @@
 </file>
 
 <file path=ppt/slides/slide4.xml><?xml version="1.0" encoding="utf-8"?>
+<p:sld xmlns:a="http://schemas.openxmlformats.org/drawingml/2006/main" xmlns:r="http://schemas.openxmlformats.org/officeDocument/2006/relationships" xmlns:p="http://schemas.openxmlformats.org/presentationml/2006/main">
+  <p:cSld>
+    <p:spTree>
+      <p:nvGrpSpPr>
+        <p:cNvPr id="1" name=""/>
+        <p:cNvGrpSpPr/>
+        <p:nvPr/>
+      </p:nvGrpSpPr>
+      <p:grpSpPr>
+        <a:xfrm>
+          <a:off x="0" y="0"/>
+          <a:ext cx="0" cy="0"/>
+          <a:chOff x="0" y="0"/>
+          <a:chExt cx="0" cy="0"/>
+        </a:xfrm>
+      </p:grpSpPr>
+      <p:sp>
+        <p:nvSpPr>
+          <p:cNvPr id="4" name="Rectangle 3"/>
+          <p:cNvSpPr/>
+          <p:nvPr/>
+        </p:nvSpPr>
+        <p:spPr>
+          <a:xfrm>
+            <a:off x="3671454" y="219384"/>
+            <a:ext cx="3713018" cy="6220691"/>
+          </a:xfrm>
+          <a:prstGeom prst="rect">
+            <a:avLst/>
+          </a:prstGeom>
+        </p:spPr>
+        <p:style>
+          <a:lnRef idx="1">
+            <a:schemeClr val="accent4"/>
+          </a:lnRef>
+          <a:fillRef idx="2">
+            <a:schemeClr val="accent4"/>
+          </a:fillRef>
+          <a:effectRef idx="1">
+            <a:schemeClr val="accent4"/>
+          </a:effectRef>
+          <a:fontRef idx="minor">
+            <a:schemeClr val="dk1"/>
+          </a:fontRef>
+        </p:style>
+        <p:txBody>
+          <a:bodyPr rtlCol="0" anchor="ctr"/>
+          <a:lstStyle/>
+          <a:p>
+            <a:pPr algn="ctr"/>
+            <a:endParaRPr lang="en-US"/>
+          </a:p>
+        </p:txBody>
+      </p:sp>
+      <p:sp>
+        <p:nvSpPr>
+          <p:cNvPr id="5" name="Rectangle 4"/>
+          <p:cNvSpPr/>
+          <p:nvPr/>
+        </p:nvSpPr>
+        <p:spPr>
+          <a:xfrm>
+            <a:off x="3671454" y="228598"/>
+            <a:ext cx="3715321" cy="741220"/>
+          </a:xfrm>
+          <a:prstGeom prst="rect">
+            <a:avLst/>
+          </a:prstGeom>
+        </p:spPr>
+        <p:style>
+          <a:lnRef idx="0">
+            <a:schemeClr val="dk1"/>
+          </a:lnRef>
+          <a:fillRef idx="3">
+            <a:schemeClr val="dk1"/>
+          </a:fillRef>
+          <a:effectRef idx="3">
+            <a:schemeClr val="dk1"/>
+          </a:effectRef>
+          <a:fontRef idx="minor">
+            <a:schemeClr val="lt1"/>
+          </a:fontRef>
+        </p:style>
+        <p:txBody>
+          <a:bodyPr rtlCol="0" anchor="ctr"/>
+          <a:lstStyle/>
+          <a:p>
+            <a:pPr algn="ctr"/>
+            <a:r>
+              <a:rPr lang="en-US" dirty="0" smtClean="0"/>
+              <a:t>     </a:t>
+            </a:r>
+            <a:r>
+              <a:rPr lang="en-US" dirty="0" smtClean="0"/>
+              <a:t>Search for address</a:t>
+            </a:r>
+            <a:endParaRPr lang="en-US" dirty="0"/>
+          </a:p>
+        </p:txBody>
+      </p:sp>
+      <p:sp>
+        <p:nvSpPr>
+          <p:cNvPr id="13" name="Teardrop 12"/>
+          <p:cNvSpPr/>
+          <p:nvPr/>
+        </p:nvSpPr>
+        <p:spPr>
+          <a:xfrm rot="8072542">
+            <a:off x="686251" y="1022726"/>
+            <a:ext cx="253120" cy="249833"/>
+          </a:xfrm>
+          <a:prstGeom prst="teardrop">
+            <a:avLst/>
+          </a:prstGeom>
+        </p:spPr>
+        <p:style>
+          <a:lnRef idx="2">
+            <a:schemeClr val="accent1"/>
+          </a:lnRef>
+          <a:fillRef idx="1">
+            <a:schemeClr val="lt1"/>
+          </a:fillRef>
+          <a:effectRef idx="0">
+            <a:schemeClr val="accent1"/>
+          </a:effectRef>
+          <a:fontRef idx="minor">
+            <a:schemeClr val="dk1"/>
+          </a:fontRef>
+        </p:style>
+        <p:txBody>
+          <a:bodyPr rtlCol="0" anchor="ctr"/>
+          <a:lstStyle/>
+          <a:p>
+            <a:pPr algn="ctr"/>
+            <a:endParaRPr lang="en-US" dirty="0"/>
+          </a:p>
+        </p:txBody>
+      </p:sp>
+      <p:sp>
+        <p:nvSpPr>
+          <p:cNvPr id="14" name="Rounded Rectangle 13"/>
+          <p:cNvSpPr/>
+          <p:nvPr/>
+        </p:nvSpPr>
+        <p:spPr>
+          <a:xfrm>
+            <a:off x="3671454" y="969818"/>
+            <a:ext cx="3713018" cy="512618"/>
+          </a:xfrm>
+          <a:prstGeom prst="roundRect">
+            <a:avLst/>
+          </a:prstGeom>
+        </p:spPr>
+        <p:style>
+          <a:lnRef idx="2">
+            <a:schemeClr val="accent4"/>
+          </a:lnRef>
+          <a:fillRef idx="1">
+            <a:schemeClr val="lt1"/>
+          </a:fillRef>
+          <a:effectRef idx="0">
+            <a:schemeClr val="accent4"/>
+          </a:effectRef>
+          <a:fontRef idx="minor">
+            <a:schemeClr val="dk1"/>
+          </a:fontRef>
+        </p:style>
+        <p:txBody>
+          <a:bodyPr rtlCol="0" anchor="ctr"/>
+          <a:lstStyle/>
+          <a:p>
+            <a:pPr algn="ctr"/>
+            <a:r>
+              <a:rPr lang="en-US" dirty="0" smtClean="0"/>
+              <a:t>Use current location</a:t>
+            </a:r>
+            <a:endParaRPr lang="en-US" dirty="0"/>
+          </a:p>
+        </p:txBody>
+      </p:sp>
+      <p:cxnSp>
+        <p:nvCxnSpPr>
+          <p:cNvPr id="3" name="Straight Arrow Connector 2"/>
+          <p:cNvCxnSpPr/>
+          <p:nvPr/>
+        </p:nvCxnSpPr>
+        <p:spPr>
+          <a:xfrm flipH="1">
+            <a:off x="8057072" y="431848"/>
+            <a:ext cx="1104181" cy="0"/>
+          </a:xfrm>
+          <a:prstGeom prst="straightConnector1">
+            <a:avLst/>
+          </a:prstGeom>
+          <a:ln>
+            <a:tailEnd type="arrow"/>
+          </a:ln>
+        </p:spPr>
+        <p:style>
+          <a:lnRef idx="1">
+            <a:schemeClr val="accent1"/>
+          </a:lnRef>
+          <a:fillRef idx="0">
+            <a:schemeClr val="accent1"/>
+          </a:fillRef>
+          <a:effectRef idx="0">
+            <a:schemeClr val="accent1"/>
+          </a:effectRef>
+          <a:fontRef idx="minor">
+            <a:schemeClr val="tx1"/>
+          </a:fontRef>
+        </p:style>
+      </p:cxnSp>
+      <p:sp>
+        <p:nvSpPr>
+          <p:cNvPr id="6" name="TextBox 5"/>
+          <p:cNvSpPr txBox="1"/>
+          <p:nvPr/>
+        </p:nvSpPr>
+        <p:spPr>
+          <a:xfrm>
+            <a:off x="9523562" y="219384"/>
+            <a:ext cx="2156604" cy="646331"/>
+          </a:xfrm>
+          <a:prstGeom prst="rect">
+            <a:avLst/>
+          </a:prstGeom>
+          <a:noFill/>
+        </p:spPr>
+        <p:txBody>
+          <a:bodyPr wrap="square" rtlCol="0">
+            <a:spAutoFit/>
+          </a:bodyPr>
+          <a:lstStyle/>
+          <a:p>
+            <a:r>
+              <a:rPr lang="en-US" dirty="0" smtClean="0"/>
+              <a:t>After clicking of the address bar</a:t>
+            </a:r>
+            <a:endParaRPr lang="en-US" dirty="0"/>
+          </a:p>
+        </p:txBody>
+      </p:sp>
+      <p:sp>
+        <p:nvSpPr>
+          <p:cNvPr id="7" name="Oval 6"/>
+          <p:cNvSpPr/>
+          <p:nvPr/>
+        </p:nvSpPr>
+        <p:spPr>
+          <a:xfrm>
+            <a:off x="3893030" y="1078302"/>
+            <a:ext cx="204517" cy="247165"/>
+          </a:xfrm>
+          <a:prstGeom prst="ellipse">
+            <a:avLst/>
+          </a:prstGeom>
+        </p:spPr>
+        <p:style>
+          <a:lnRef idx="2">
+            <a:schemeClr val="accent5"/>
+          </a:lnRef>
+          <a:fillRef idx="1">
+            <a:schemeClr val="lt1"/>
+          </a:fillRef>
+          <a:effectRef idx="0">
+            <a:schemeClr val="accent5"/>
+          </a:effectRef>
+          <a:fontRef idx="minor">
+            <a:schemeClr val="dk1"/>
+          </a:fontRef>
+        </p:style>
+        <p:txBody>
+          <a:bodyPr rtlCol="0" anchor="ctr"/>
+          <a:lstStyle/>
+          <a:p>
+            <a:pPr algn="ctr"/>
+            <a:endParaRPr lang="en-US"/>
+          </a:p>
+        </p:txBody>
+      </p:sp>
+      <p:sp>
+        <p:nvSpPr>
+          <p:cNvPr id="8" name="Oval 7"/>
+          <p:cNvSpPr/>
+          <p:nvPr/>
+        </p:nvSpPr>
+        <p:spPr>
+          <a:xfrm flipH="1">
+            <a:off x="3965095" y="1153040"/>
+            <a:ext cx="60385" cy="99961"/>
+          </a:xfrm>
+          <a:prstGeom prst="ellipse">
+            <a:avLst/>
+          </a:prstGeom>
+        </p:spPr>
+        <p:style>
+          <a:lnRef idx="2">
+            <a:schemeClr val="accent1">
+              <a:shade val="50000"/>
+            </a:schemeClr>
+          </a:lnRef>
+          <a:fillRef idx="1">
+            <a:schemeClr val="accent1"/>
+          </a:fillRef>
+          <a:effectRef idx="0">
+            <a:schemeClr val="accent1"/>
+          </a:effectRef>
+          <a:fontRef idx="minor">
+            <a:schemeClr val="lt1"/>
+          </a:fontRef>
+        </p:style>
+        <p:txBody>
+          <a:bodyPr rtlCol="0" anchor="ctr"/>
+          <a:lstStyle/>
+          <a:p>
+            <a:pPr algn="ctr"/>
+            <a:endParaRPr lang="en-US"/>
+          </a:p>
+        </p:txBody>
+      </p:sp>
+      <p:sp>
+        <p:nvSpPr>
+          <p:cNvPr id="9" name="Right Arrow 8"/>
+          <p:cNvSpPr/>
+          <p:nvPr/>
+        </p:nvSpPr>
+        <p:spPr>
+          <a:xfrm rot="10800000">
+            <a:off x="3769322" y="413903"/>
+            <a:ext cx="316691" cy="370610"/>
+          </a:xfrm>
+          <a:prstGeom prst="rightArrow">
+            <a:avLst/>
+          </a:prstGeom>
+        </p:spPr>
+        <p:style>
+          <a:lnRef idx="2">
+            <a:schemeClr val="accent1">
+              <a:shade val="50000"/>
+            </a:schemeClr>
+          </a:lnRef>
+          <a:fillRef idx="1">
+            <a:schemeClr val="accent1"/>
+          </a:fillRef>
+          <a:effectRef idx="0">
+            <a:schemeClr val="accent1"/>
+          </a:effectRef>
+          <a:fontRef idx="minor">
+            <a:schemeClr val="lt1"/>
+          </a:fontRef>
+        </p:style>
+        <p:txBody>
+          <a:bodyPr rtlCol="0" anchor="ctr"/>
+          <a:lstStyle/>
+          <a:p>
+            <a:pPr algn="ctr"/>
+            <a:endParaRPr lang="en-US"/>
+          </a:p>
+        </p:txBody>
+      </p:sp>
+      <p:grpSp>
+        <p:nvGrpSpPr>
+          <p:cNvPr id="11" name="Group 10"/>
+          <p:cNvGrpSpPr/>
+          <p:nvPr/>
+        </p:nvGrpSpPr>
+        <p:grpSpPr>
+          <a:xfrm>
+            <a:off x="3669151" y="1482436"/>
+            <a:ext cx="3715321" cy="1562689"/>
+            <a:chOff x="3669151" y="1482436"/>
+            <a:chExt cx="3715321" cy="1562689"/>
+          </a:xfrm>
+        </p:grpSpPr>
+        <p:sp>
+          <p:nvSpPr>
+            <p:cNvPr id="10" name="Rectangle 9"/>
+            <p:cNvSpPr/>
+            <p:nvPr/>
+          </p:nvSpPr>
+          <p:spPr>
+            <a:xfrm>
+              <a:off x="3669151" y="1482436"/>
+              <a:ext cx="3715321" cy="1562689"/>
+            </a:xfrm>
+            <a:prstGeom prst="rect">
+              <a:avLst/>
+            </a:prstGeom>
+          </p:spPr>
+          <p:style>
+            <a:lnRef idx="2">
+              <a:schemeClr val="accent2"/>
+            </a:lnRef>
+            <a:fillRef idx="1">
+              <a:schemeClr val="lt1"/>
+            </a:fillRef>
+            <a:effectRef idx="0">
+              <a:schemeClr val="accent2"/>
+            </a:effectRef>
+            <a:fontRef idx="minor">
+              <a:schemeClr val="dk1"/>
+            </a:fontRef>
+          </p:style>
+          <p:txBody>
+            <a:bodyPr rtlCol="0" anchor="ctr"/>
+            <a:lstStyle/>
+            <a:p>
+              <a:pPr algn="ctr"/>
+              <a:r>
+                <a:rPr lang="en-US" sz="1530" dirty="0"/>
+                <a:t>5th floor E and F Wing </a:t>
+              </a:r>
+              <a:r>
+                <a:rPr lang="en-US" sz="1530" dirty="0" err="1"/>
+                <a:t>kendriya</a:t>
+              </a:r>
+              <a:r>
+                <a:rPr lang="en-US" sz="1530" dirty="0"/>
+                <a:t> </a:t>
+              </a:r>
+              <a:r>
+                <a:rPr lang="en-US" sz="1530" dirty="0" err="1"/>
+                <a:t>sadan</a:t>
+              </a:r>
+              <a:r>
+                <a:rPr lang="en-US" sz="1530" dirty="0"/>
+                <a:t> Bengaluru, </a:t>
+              </a:r>
+              <a:r>
+                <a:rPr lang="en-US" sz="1530" dirty="0" err="1"/>
+                <a:t>Koramangala</a:t>
+              </a:r>
+              <a:r>
+                <a:rPr lang="en-US" sz="1530" dirty="0"/>
+                <a:t> 2nd Block, </a:t>
+              </a:r>
+              <a:r>
+                <a:rPr lang="en-US" sz="1530" dirty="0" err="1"/>
+                <a:t>Koramangala</a:t>
+              </a:r>
+              <a:r>
+                <a:rPr lang="en-US" sz="1530" dirty="0"/>
+                <a:t>, Bengaluru, Karnataka 560034</a:t>
+              </a:r>
+              <a:endParaRPr lang="en-US" sz="1530" dirty="0"/>
+            </a:p>
+          </p:txBody>
+        </p:sp>
+        <p:pic>
+          <p:nvPicPr>
+            <p:cNvPr id="1026" name="Picture 2"/>
+            <p:cNvPicPr>
+              <a:picLocks noChangeAspect="1" noChangeArrowheads="1"/>
+            </p:cNvPicPr>
+            <p:nvPr/>
+          </p:nvPicPr>
+          <p:blipFill>
+            <a:blip r:embed="rId2">
+              <a:extLst>
+                <a:ext uri="{28A0092B-C50C-407E-A947-70E740481C1C}">
+                  <a14:useLocalDpi xmlns:a14="http://schemas.microsoft.com/office/drawing/2010/main" val="0"/>
+                </a:ext>
+              </a:extLst>
+            </a:blip>
+            <a:srcRect/>
+            <a:stretch>
+              <a:fillRect/>
+            </a:stretch>
+          </p:blipFill>
+          <p:spPr bwMode="auto">
+            <a:xfrm>
+              <a:off x="3713490" y="1588476"/>
+              <a:ext cx="185707" cy="303990"/>
+            </a:xfrm>
+            <a:prstGeom prst="rect">
+              <a:avLst/>
+            </a:prstGeom>
+            <a:noFill/>
+            <a:ln>
+              <a:noFill/>
+            </a:ln>
+            <a:effectLst/>
+            <a:extLst>
+              <a:ext uri="{909E8E84-426E-40DD-AFC4-6F175D3DCCD1}">
+                <a14:hiddenFill xmlns:a14="http://schemas.microsoft.com/office/drawing/2010/main">
+                  <a:solidFill>
+                    <a:schemeClr val="accent1"/>
+                  </a:solidFill>
+                </a14:hiddenFill>
+              </a:ext>
+              <a:ext uri="{91240B29-F687-4F45-9708-019B960494DF}">
+                <a14:hiddenLine xmlns:a14="http://schemas.microsoft.com/office/drawing/2010/main" w="9525">
+                  <a:solidFill>
+                    <a:schemeClr val="tx1"/>
+                  </a:solidFill>
+                  <a:miter lim="800000"/>
+                  <a:headEnd/>
+                  <a:tailEnd/>
+                </a14:hiddenLine>
+              </a:ext>
+              <a:ext uri="{AF507438-7753-43E0-B8FC-AC1667EBCBE1}">
+                <a14:hiddenEffects xmlns:a14="http://schemas.microsoft.com/office/drawing/2010/main">
+                  <a:effectLst>
+                    <a:outerShdw dist="35921" dir="2700000" algn="ctr" rotWithShape="0">
+                      <a:schemeClr val="bg2"/>
+                    </a:outerShdw>
+                  </a:effectLst>
+                </a14:hiddenEffects>
+              </a:ext>
+            </a:extLst>
+          </p:spPr>
+        </p:pic>
+      </p:grpSp>
+      <p:grpSp>
+        <p:nvGrpSpPr>
+          <p:cNvPr id="17" name="Group 16"/>
+          <p:cNvGrpSpPr/>
+          <p:nvPr/>
+        </p:nvGrpSpPr>
+        <p:grpSpPr>
+          <a:xfrm>
+            <a:off x="3671454" y="3045125"/>
+            <a:ext cx="3715321" cy="1562689"/>
+            <a:chOff x="3669151" y="1482436"/>
+            <a:chExt cx="3715321" cy="1562689"/>
+          </a:xfrm>
+        </p:grpSpPr>
+        <p:sp>
+          <p:nvSpPr>
+            <p:cNvPr id="18" name="Rectangle 17"/>
+            <p:cNvSpPr/>
+            <p:nvPr/>
+          </p:nvSpPr>
+          <p:spPr>
+            <a:xfrm>
+              <a:off x="3669151" y="1482436"/>
+              <a:ext cx="3715321" cy="1562689"/>
+            </a:xfrm>
+            <a:prstGeom prst="rect">
+              <a:avLst/>
+            </a:prstGeom>
+          </p:spPr>
+          <p:style>
+            <a:lnRef idx="2">
+              <a:schemeClr val="accent2"/>
+            </a:lnRef>
+            <a:fillRef idx="1">
+              <a:schemeClr val="lt1"/>
+            </a:fillRef>
+            <a:effectRef idx="0">
+              <a:schemeClr val="accent2"/>
+            </a:effectRef>
+            <a:fontRef idx="minor">
+              <a:schemeClr val="dk1"/>
+            </a:fontRef>
+          </p:style>
+          <p:txBody>
+            <a:bodyPr rtlCol="0" anchor="ctr"/>
+            <a:lstStyle/>
+            <a:p>
+              <a:pPr algn="ctr"/>
+              <a:r>
+                <a:rPr lang="en-US" sz="1530" dirty="0"/>
+                <a:t>5th floor E and F Wing </a:t>
+              </a:r>
+              <a:r>
+                <a:rPr lang="en-US" sz="1530" dirty="0" err="1"/>
+                <a:t>kendriya</a:t>
+              </a:r>
+              <a:r>
+                <a:rPr lang="en-US" sz="1530" dirty="0"/>
+                <a:t> </a:t>
+              </a:r>
+              <a:r>
+                <a:rPr lang="en-US" sz="1530" dirty="0" err="1"/>
+                <a:t>sadan</a:t>
+              </a:r>
+              <a:r>
+                <a:rPr lang="en-US" sz="1530" dirty="0"/>
+                <a:t> Bengaluru, </a:t>
+              </a:r>
+              <a:r>
+                <a:rPr lang="en-US" sz="1530" dirty="0" err="1"/>
+                <a:t>Koramangala</a:t>
+              </a:r>
+              <a:r>
+                <a:rPr lang="en-US" sz="1530" dirty="0"/>
+                <a:t> 2nd Block, </a:t>
+              </a:r>
+              <a:r>
+                <a:rPr lang="en-US" sz="1530" dirty="0" err="1"/>
+                <a:t>Koramangala</a:t>
+              </a:r>
+              <a:r>
+                <a:rPr lang="en-US" sz="1530" dirty="0"/>
+                <a:t>, Bengaluru, Karnataka 560034</a:t>
+              </a:r>
+              <a:endParaRPr lang="en-US" sz="1530" dirty="0"/>
+            </a:p>
+          </p:txBody>
+        </p:sp>
+        <p:pic>
+          <p:nvPicPr>
+            <p:cNvPr id="19" name="Picture 2"/>
+            <p:cNvPicPr>
+              <a:picLocks noChangeAspect="1" noChangeArrowheads="1"/>
+            </p:cNvPicPr>
+            <p:nvPr/>
+          </p:nvPicPr>
+          <p:blipFill>
+            <a:blip r:embed="rId2">
+              <a:extLst>
+                <a:ext uri="{28A0092B-C50C-407E-A947-70E740481C1C}">
+                  <a14:useLocalDpi xmlns:a14="http://schemas.microsoft.com/office/drawing/2010/main" val="0"/>
+                </a:ext>
+              </a:extLst>
+            </a:blip>
+            <a:srcRect/>
+            <a:stretch>
+              <a:fillRect/>
+            </a:stretch>
+          </p:blipFill>
+          <p:spPr bwMode="auto">
+            <a:xfrm>
+              <a:off x="3713490" y="1588476"/>
+              <a:ext cx="185707" cy="303990"/>
+            </a:xfrm>
+            <a:prstGeom prst="rect">
+              <a:avLst/>
+            </a:prstGeom>
+            <a:noFill/>
+            <a:ln>
+              <a:noFill/>
+            </a:ln>
+            <a:effectLst/>
+            <a:extLst>
+              <a:ext uri="{909E8E84-426E-40DD-AFC4-6F175D3DCCD1}">
+                <a14:hiddenFill xmlns:a14="http://schemas.microsoft.com/office/drawing/2010/main">
+                  <a:solidFill>
+                    <a:schemeClr val="accent1"/>
+                  </a:solidFill>
+                </a14:hiddenFill>
+              </a:ext>
+              <a:ext uri="{91240B29-F687-4F45-9708-019B960494DF}">
+                <a14:hiddenLine xmlns:a14="http://schemas.microsoft.com/office/drawing/2010/main" w="9525">
+                  <a:solidFill>
+                    <a:schemeClr val="tx1"/>
+                  </a:solidFill>
+                  <a:miter lim="800000"/>
+                  <a:headEnd/>
+                  <a:tailEnd/>
+                </a14:hiddenLine>
+              </a:ext>
+              <a:ext uri="{AF507438-7753-43E0-B8FC-AC1667EBCBE1}">
+                <a14:hiddenEffects xmlns:a14="http://schemas.microsoft.com/office/drawing/2010/main">
+                  <a:effectLst>
+                    <a:outerShdw dist="35921" dir="2700000" algn="ctr" rotWithShape="0">
+                      <a:schemeClr val="bg2"/>
+                    </a:outerShdw>
+                  </a:effectLst>
+                </a14:hiddenEffects>
+              </a:ext>
+            </a:extLst>
+          </p:spPr>
+        </p:pic>
+      </p:grpSp>
+      <p:grpSp>
+        <p:nvGrpSpPr>
+          <p:cNvPr id="20" name="Group 19"/>
+          <p:cNvGrpSpPr/>
+          <p:nvPr/>
+        </p:nvGrpSpPr>
+        <p:grpSpPr>
+          <a:xfrm>
+            <a:off x="3671454" y="4607814"/>
+            <a:ext cx="3715321" cy="1562689"/>
+            <a:chOff x="3669151" y="1482436"/>
+            <a:chExt cx="3715321" cy="1562689"/>
+          </a:xfrm>
+        </p:grpSpPr>
+        <p:sp>
+          <p:nvSpPr>
+            <p:cNvPr id="21" name="Rectangle 20"/>
+            <p:cNvSpPr/>
+            <p:nvPr/>
+          </p:nvSpPr>
+          <p:spPr>
+            <a:xfrm>
+              <a:off x="3669151" y="1482436"/>
+              <a:ext cx="3715321" cy="1562689"/>
+            </a:xfrm>
+            <a:prstGeom prst="rect">
+              <a:avLst/>
+            </a:prstGeom>
+          </p:spPr>
+          <p:style>
+            <a:lnRef idx="2">
+              <a:schemeClr val="accent2"/>
+            </a:lnRef>
+            <a:fillRef idx="1">
+              <a:schemeClr val="lt1"/>
+            </a:fillRef>
+            <a:effectRef idx="0">
+              <a:schemeClr val="accent2"/>
+            </a:effectRef>
+            <a:fontRef idx="minor">
+              <a:schemeClr val="dk1"/>
+            </a:fontRef>
+          </p:style>
+          <p:txBody>
+            <a:bodyPr rtlCol="0" anchor="ctr"/>
+            <a:lstStyle/>
+            <a:p>
+              <a:pPr algn="ctr"/>
+              <a:r>
+                <a:rPr lang="en-US" sz="1530" dirty="0"/>
+                <a:t>5th floor E and F Wing </a:t>
+              </a:r>
+              <a:r>
+                <a:rPr lang="en-US" sz="1530" dirty="0" err="1"/>
+                <a:t>kendriya</a:t>
+              </a:r>
+              <a:r>
+                <a:rPr lang="en-US" sz="1530" dirty="0"/>
+                <a:t> </a:t>
+              </a:r>
+              <a:r>
+                <a:rPr lang="en-US" sz="1530" dirty="0" err="1"/>
+                <a:t>sadan</a:t>
+              </a:r>
+              <a:r>
+                <a:rPr lang="en-US" sz="1530" dirty="0"/>
+                <a:t> Bengaluru, </a:t>
+              </a:r>
+              <a:r>
+                <a:rPr lang="en-US" sz="1530" dirty="0" err="1"/>
+                <a:t>Koramangala</a:t>
+              </a:r>
+              <a:r>
+                <a:rPr lang="en-US" sz="1530" dirty="0"/>
+                <a:t> 2nd Block, </a:t>
+              </a:r>
+              <a:r>
+                <a:rPr lang="en-US" sz="1530" dirty="0" err="1"/>
+                <a:t>Koramangala</a:t>
+              </a:r>
+              <a:r>
+                <a:rPr lang="en-US" sz="1530" dirty="0"/>
+                <a:t>, Bengaluru, Karnataka 560034</a:t>
+              </a:r>
+              <a:endParaRPr lang="en-US" sz="1530" dirty="0"/>
+            </a:p>
+          </p:txBody>
+        </p:sp>
+        <p:pic>
+          <p:nvPicPr>
+            <p:cNvPr id="22" name="Picture 2"/>
+            <p:cNvPicPr>
+              <a:picLocks noChangeAspect="1" noChangeArrowheads="1"/>
+            </p:cNvPicPr>
+            <p:nvPr/>
+          </p:nvPicPr>
+          <p:blipFill>
+            <a:blip r:embed="rId2">
+              <a:extLst>
+                <a:ext uri="{28A0092B-C50C-407E-A947-70E740481C1C}">
+                  <a14:useLocalDpi xmlns:a14="http://schemas.microsoft.com/office/drawing/2010/main" val="0"/>
+                </a:ext>
+              </a:extLst>
+            </a:blip>
+            <a:srcRect/>
+            <a:stretch>
+              <a:fillRect/>
+            </a:stretch>
+          </p:blipFill>
+          <p:spPr bwMode="auto">
+            <a:xfrm>
+              <a:off x="3713490" y="1588476"/>
+              <a:ext cx="185707" cy="303990"/>
+            </a:xfrm>
+            <a:prstGeom prst="rect">
+              <a:avLst/>
+            </a:prstGeom>
+            <a:noFill/>
+            <a:ln>
+              <a:noFill/>
+            </a:ln>
+            <a:effectLst/>
+            <a:extLst>
+              <a:ext uri="{909E8E84-426E-40DD-AFC4-6F175D3DCCD1}">
+                <a14:hiddenFill xmlns:a14="http://schemas.microsoft.com/office/drawing/2010/main">
+                  <a:solidFill>
+                    <a:schemeClr val="accent1"/>
+                  </a:solidFill>
+                </a14:hiddenFill>
+              </a:ext>
+              <a:ext uri="{91240B29-F687-4F45-9708-019B960494DF}">
+                <a14:hiddenLine xmlns:a14="http://schemas.microsoft.com/office/drawing/2010/main" w="9525">
+                  <a:solidFill>
+                    <a:schemeClr val="tx1"/>
+                  </a:solidFill>
+                  <a:miter lim="800000"/>
+                  <a:headEnd/>
+                  <a:tailEnd/>
+                </a14:hiddenLine>
+              </a:ext>
+              <a:ext uri="{AF507438-7753-43E0-B8FC-AC1667EBCBE1}">
+                <a14:hiddenEffects xmlns:a14="http://schemas.microsoft.com/office/drawing/2010/main">
+                  <a:effectLst>
+                    <a:outerShdw dist="35921" dir="2700000" algn="ctr" rotWithShape="0">
+                      <a:schemeClr val="bg2"/>
+                    </a:outerShdw>
+                  </a:effectLst>
+                </a14:hiddenEffects>
+              </a:ext>
+            </a:extLst>
+          </p:spPr>
+        </p:pic>
+      </p:grpSp>
+    </p:spTree>
+    <p:extLst>
+      <p:ext uri="{BB962C8B-B14F-4D97-AF65-F5344CB8AC3E}">
+        <p14:creationId xmlns:p14="http://schemas.microsoft.com/office/powerpoint/2010/main" val="1714891589"/>
+      </p:ext>
+    </p:extLst>
+  </p:cSld>
+  <p:clrMapOvr>
+    <a:masterClrMapping/>
+  </p:clrMapOvr>
+  <p:timing>
+    <p:tnLst>
+      <p:par>
+        <p:cTn id="1" dur="indefinite" restart="never" nodeType="tmRoot"/>
+      </p:par>
+    </p:tnLst>
+  </p:timing>
+</p:sld>
+</file>
+
+<file path=ppt/slides/slide5.xml><?xml version="1.0" encoding="utf-8"?>
 <p:sld xmlns:a="http://schemas.openxmlformats.org/drawingml/2006/main" xmlns:r="http://schemas.openxmlformats.org/officeDocument/2006/relationships" xmlns:p="http://schemas.openxmlformats.org/presentationml/2006/main">
   <p:cSld>
     <p:spTree>
@@ -5414,7 +6318,7 @@
 </p:sld>
 </file>
 
-<file path=ppt/slides/slide5.xml><?xml version="1.0" encoding="utf-8"?>
+<file path=ppt/slides/slide6.xml><?xml version="1.0" encoding="utf-8"?>
 <p:sld xmlns:a="http://schemas.openxmlformats.org/drawingml/2006/main" xmlns:r="http://schemas.openxmlformats.org/officeDocument/2006/relationships" xmlns:p="http://schemas.openxmlformats.org/presentationml/2006/main">
   <p:cSld>
     <p:spTree>
@@ -6143,792 +7047,6 @@
     <p:extLst>
       <p:ext uri="{BB962C8B-B14F-4D97-AF65-F5344CB8AC3E}">
         <p14:creationId xmlns:p14="http://schemas.microsoft.com/office/powerpoint/2010/main" val="2139496351"/>
-      </p:ext>
-    </p:extLst>
-  </p:cSld>
-  <p:clrMapOvr>
-    <a:masterClrMapping/>
-  </p:clrMapOvr>
-  <p:timing>
-    <p:tnLst>
-      <p:par>
-        <p:cTn id="1" dur="indefinite" restart="never" nodeType="tmRoot"/>
-      </p:par>
-    </p:tnLst>
-  </p:timing>
-</p:sld>
-</file>
-
-<file path=ppt/slides/slide6.xml><?xml version="1.0" encoding="utf-8"?>
-<p:sld xmlns:a="http://schemas.openxmlformats.org/drawingml/2006/main" xmlns:r="http://schemas.openxmlformats.org/officeDocument/2006/relationships" xmlns:p="http://schemas.openxmlformats.org/presentationml/2006/main">
-  <p:cSld>
-    <p:spTree>
-      <p:nvGrpSpPr>
-        <p:cNvPr id="1" name=""/>
-        <p:cNvGrpSpPr/>
-        <p:nvPr/>
-      </p:nvGrpSpPr>
-      <p:grpSpPr>
-        <a:xfrm>
-          <a:off x="0" y="0"/>
-          <a:ext cx="0" cy="0"/>
-          <a:chOff x="0" y="0"/>
-          <a:chExt cx="0" cy="0"/>
-        </a:xfrm>
-      </p:grpSpPr>
-      <p:sp>
-        <p:nvSpPr>
-          <p:cNvPr id="4" name="Rectangle 3"/>
-          <p:cNvSpPr/>
-          <p:nvPr/>
-        </p:nvSpPr>
-        <p:spPr>
-          <a:xfrm>
-            <a:off x="3711290" y="219384"/>
-            <a:ext cx="3713018" cy="6220691"/>
-          </a:xfrm>
-          <a:prstGeom prst="rect">
-            <a:avLst/>
-          </a:prstGeom>
-        </p:spPr>
-        <p:style>
-          <a:lnRef idx="1">
-            <a:schemeClr val="accent4"/>
-          </a:lnRef>
-          <a:fillRef idx="2">
-            <a:schemeClr val="accent4"/>
-          </a:fillRef>
-          <a:effectRef idx="1">
-            <a:schemeClr val="accent4"/>
-          </a:effectRef>
-          <a:fontRef idx="minor">
-            <a:schemeClr val="dk1"/>
-          </a:fontRef>
-        </p:style>
-        <p:txBody>
-          <a:bodyPr rtlCol="0" anchor="ctr"/>
-          <a:lstStyle/>
-          <a:p>
-            <a:pPr algn="ctr"/>
-            <a:endParaRPr lang="en-US"/>
-          </a:p>
-        </p:txBody>
-      </p:sp>
-      <p:sp>
-        <p:nvSpPr>
-          <p:cNvPr id="5" name="Rectangle 4"/>
-          <p:cNvSpPr/>
-          <p:nvPr/>
-        </p:nvSpPr>
-        <p:spPr>
-          <a:xfrm>
-            <a:off x="3671454" y="228598"/>
-            <a:ext cx="3715321" cy="741220"/>
-          </a:xfrm>
-          <a:prstGeom prst="rect">
-            <a:avLst/>
-          </a:prstGeom>
-        </p:spPr>
-        <p:style>
-          <a:lnRef idx="0">
-            <a:schemeClr val="dk1"/>
-          </a:lnRef>
-          <a:fillRef idx="3">
-            <a:schemeClr val="dk1"/>
-          </a:fillRef>
-          <a:effectRef idx="3">
-            <a:schemeClr val="dk1"/>
-          </a:effectRef>
-          <a:fontRef idx="minor">
-            <a:schemeClr val="lt1"/>
-          </a:fontRef>
-        </p:style>
-        <p:txBody>
-          <a:bodyPr rtlCol="0" anchor="ctr"/>
-          <a:lstStyle/>
-          <a:p>
-            <a:pPr algn="ctr"/>
-            <a:r>
-              <a:rPr lang="en-US" dirty="0" smtClean="0"/>
-              <a:t>     Ground Floor ,9</a:t>
-            </a:r>
-            <a:r>
-              <a:rPr lang="en-US" baseline="30000" dirty="0" smtClean="0"/>
-              <a:t>th</a:t>
-            </a:r>
-            <a:r>
-              <a:rPr lang="en-US" dirty="0" smtClean="0"/>
-              <a:t> cross ,3</a:t>
-            </a:r>
-            <a:r>
-              <a:rPr lang="en-US" baseline="30000" dirty="0" smtClean="0"/>
-              <a:t>rd</a:t>
-            </a:r>
-            <a:r>
-              <a:rPr lang="en-US" dirty="0" smtClean="0"/>
-              <a:t> Main Tc </a:t>
-            </a:r>
-            <a:r>
-              <a:rPr lang="en-US" dirty="0" err="1" smtClean="0"/>
-              <a:t>Palya</a:t>
-            </a:r>
-            <a:r>
-              <a:rPr lang="en-US" dirty="0" smtClean="0"/>
-              <a:t> </a:t>
-            </a:r>
-            <a:r>
-              <a:rPr lang="en-US" dirty="0"/>
-              <a:t>M</a:t>
-            </a:r>
-            <a:r>
-              <a:rPr lang="en-US" dirty="0" smtClean="0"/>
-              <a:t>ain </a:t>
-            </a:r>
-            <a:r>
-              <a:rPr lang="en-US" dirty="0"/>
-              <a:t>R</a:t>
-            </a:r>
-            <a:r>
-              <a:rPr lang="en-US" dirty="0" smtClean="0"/>
-              <a:t>oad , Ramamurthy Nagar</a:t>
-            </a:r>
-            <a:endParaRPr lang="en-US" dirty="0"/>
-          </a:p>
-        </p:txBody>
-      </p:sp>
-      <p:sp>
-        <p:nvSpPr>
-          <p:cNvPr id="13" name="Teardrop 12"/>
-          <p:cNvSpPr/>
-          <p:nvPr/>
-        </p:nvSpPr>
-        <p:spPr>
-          <a:xfrm rot="8072542">
-            <a:off x="686251" y="1022726"/>
-            <a:ext cx="253120" cy="249833"/>
-          </a:xfrm>
-          <a:prstGeom prst="teardrop">
-            <a:avLst/>
-          </a:prstGeom>
-        </p:spPr>
-        <p:style>
-          <a:lnRef idx="2">
-            <a:schemeClr val="accent1"/>
-          </a:lnRef>
-          <a:fillRef idx="1">
-            <a:schemeClr val="lt1"/>
-          </a:fillRef>
-          <a:effectRef idx="0">
-            <a:schemeClr val="accent1"/>
-          </a:effectRef>
-          <a:fontRef idx="minor">
-            <a:schemeClr val="dk1"/>
-          </a:fontRef>
-        </p:style>
-        <p:txBody>
-          <a:bodyPr rtlCol="0" anchor="ctr"/>
-          <a:lstStyle/>
-          <a:p>
-            <a:pPr algn="ctr"/>
-            <a:endParaRPr lang="en-US" dirty="0"/>
-          </a:p>
-        </p:txBody>
-      </p:sp>
-      <p:sp>
-        <p:nvSpPr>
-          <p:cNvPr id="14" name="Rounded Rectangle 13"/>
-          <p:cNvSpPr/>
-          <p:nvPr/>
-        </p:nvSpPr>
-        <p:spPr>
-          <a:xfrm>
-            <a:off x="3671454" y="969818"/>
-            <a:ext cx="3752853" cy="480190"/>
-          </a:xfrm>
-          <a:prstGeom prst="roundRect">
-            <a:avLst/>
-          </a:prstGeom>
-        </p:spPr>
-        <p:style>
-          <a:lnRef idx="2">
-            <a:schemeClr val="accent4"/>
-          </a:lnRef>
-          <a:fillRef idx="1">
-            <a:schemeClr val="lt1"/>
-          </a:fillRef>
-          <a:effectRef idx="0">
-            <a:schemeClr val="accent4"/>
-          </a:effectRef>
-          <a:fontRef idx="minor">
-            <a:schemeClr val="dk1"/>
-          </a:fontRef>
-        </p:style>
-        <p:txBody>
-          <a:bodyPr rtlCol="0" anchor="ctr"/>
-          <a:lstStyle/>
-          <a:p>
-            <a:pPr algn="ctr"/>
-            <a:r>
-              <a:rPr lang="en-US" dirty="0" smtClean="0"/>
-              <a:t>Search by Name / organization </a:t>
-            </a:r>
-            <a:endParaRPr lang="en-US" dirty="0"/>
-          </a:p>
-        </p:txBody>
-      </p:sp>
-      <p:pic>
-        <p:nvPicPr>
-          <p:cNvPr id="15" name="Picture 14"/>
-          <p:cNvPicPr>
-            <a:picLocks noChangeAspect="1"/>
-          </p:cNvPicPr>
-          <p:nvPr/>
-        </p:nvPicPr>
-        <p:blipFill>
-          <a:blip r:embed="rId2" cstate="print">
-            <a:extLst>
-              <a:ext uri="{28A0092B-C50C-407E-A947-70E740481C1C}">
-                <a14:useLocalDpi xmlns:a14="http://schemas.microsoft.com/office/drawing/2010/main" val="0"/>
-              </a:ext>
-            </a:extLst>
-          </a:blip>
-          <a:stretch>
-            <a:fillRect/>
-          </a:stretch>
-        </p:blipFill>
-        <p:spPr>
-          <a:xfrm>
-            <a:off x="3669151" y="1002246"/>
-            <a:ext cx="447761" cy="447761"/>
-          </a:xfrm>
-          <a:prstGeom prst="rect">
-            <a:avLst/>
-          </a:prstGeom>
-        </p:spPr>
-      </p:pic>
-      <p:pic>
-        <p:nvPicPr>
-          <p:cNvPr id="16" name="Picture 15"/>
-          <p:cNvPicPr>
-            <a:picLocks noChangeAspect="1"/>
-          </p:cNvPicPr>
-          <p:nvPr/>
-        </p:nvPicPr>
-        <p:blipFill>
-          <a:blip r:embed="rId3" cstate="print">
-            <a:extLst>
-              <a:ext uri="{28A0092B-C50C-407E-A947-70E740481C1C}">
-                <a14:useLocalDpi xmlns:a14="http://schemas.microsoft.com/office/drawing/2010/main" val="0"/>
-              </a:ext>
-            </a:extLst>
-          </a:blip>
-          <a:stretch>
-            <a:fillRect/>
-          </a:stretch>
-        </p:blipFill>
-        <p:spPr>
-          <a:xfrm>
-            <a:off x="3767363" y="228598"/>
-            <a:ext cx="251335" cy="406501"/>
-          </a:xfrm>
-          <a:prstGeom prst="rect">
-            <a:avLst/>
-          </a:prstGeom>
-        </p:spPr>
-      </p:pic>
-      <p:grpSp>
-        <p:nvGrpSpPr>
-          <p:cNvPr id="12" name="Group 11"/>
-          <p:cNvGrpSpPr/>
-          <p:nvPr/>
-        </p:nvGrpSpPr>
-        <p:grpSpPr>
-          <a:xfrm>
-            <a:off x="3659646" y="1482459"/>
-            <a:ext cx="3738936" cy="1769722"/>
-            <a:chOff x="3671454" y="1450007"/>
-            <a:chExt cx="3738936" cy="1769722"/>
-          </a:xfrm>
-        </p:grpSpPr>
-        <p:sp>
-          <p:nvSpPr>
-            <p:cNvPr id="2" name="Rectangle 1"/>
-            <p:cNvSpPr/>
-            <p:nvPr/>
-          </p:nvSpPr>
-          <p:spPr>
-            <a:xfrm>
-              <a:off x="3694038" y="1450007"/>
-              <a:ext cx="3716352" cy="1769722"/>
-            </a:xfrm>
-            <a:prstGeom prst="rect">
-              <a:avLst/>
-            </a:prstGeom>
-          </p:spPr>
-          <p:style>
-            <a:lnRef idx="2">
-              <a:schemeClr val="dk1"/>
-            </a:lnRef>
-            <a:fillRef idx="1">
-              <a:schemeClr val="lt1"/>
-            </a:fillRef>
-            <a:effectRef idx="0">
-              <a:schemeClr val="dk1"/>
-            </a:effectRef>
-            <a:fontRef idx="minor">
-              <a:schemeClr val="dk1"/>
-            </a:fontRef>
-          </p:style>
-          <p:txBody>
-            <a:bodyPr rtlCol="0" anchor="ctr"/>
-            <a:lstStyle/>
-            <a:p>
-              <a:pPr algn="ctr"/>
-              <a:endParaRPr lang="en-US"/>
-            </a:p>
-          </p:txBody>
-        </p:sp>
-        <p:sp>
-          <p:nvSpPr>
-            <p:cNvPr id="7" name="Right Arrow 6"/>
-            <p:cNvSpPr/>
-            <p:nvPr/>
-          </p:nvSpPr>
-          <p:spPr>
-            <a:xfrm>
-              <a:off x="7147709" y="2122651"/>
-              <a:ext cx="177436" cy="541218"/>
-            </a:xfrm>
-            <a:prstGeom prst="rightArrow">
-              <a:avLst/>
-            </a:prstGeom>
-          </p:spPr>
-          <p:style>
-            <a:lnRef idx="2">
-              <a:schemeClr val="accent1">
-                <a:shade val="50000"/>
-              </a:schemeClr>
-            </a:lnRef>
-            <a:fillRef idx="1">
-              <a:schemeClr val="accent1"/>
-            </a:fillRef>
-            <a:effectRef idx="0">
-              <a:schemeClr val="accent1"/>
-            </a:effectRef>
-            <a:fontRef idx="minor">
-              <a:schemeClr val="lt1"/>
-            </a:fontRef>
-          </p:style>
-          <p:txBody>
-            <a:bodyPr rtlCol="0" anchor="ctr"/>
-            <a:lstStyle/>
-            <a:p>
-              <a:pPr algn="ctr"/>
-              <a:endParaRPr lang="en-US"/>
-            </a:p>
-          </p:txBody>
-        </p:sp>
-        <p:pic>
-          <p:nvPicPr>
-            <p:cNvPr id="44" name="Picture 43"/>
-            <p:cNvPicPr>
-              <a:picLocks noChangeAspect="1"/>
-            </p:cNvPicPr>
-            <p:nvPr/>
-          </p:nvPicPr>
-          <p:blipFill>
-            <a:blip r:embed="rId4" cstate="print">
-              <a:extLst>
-                <a:ext uri="{28A0092B-C50C-407E-A947-70E740481C1C}">
-                  <a14:useLocalDpi xmlns:a14="http://schemas.microsoft.com/office/drawing/2010/main" val="0"/>
-                </a:ext>
-              </a:extLst>
-            </a:blip>
-            <a:stretch>
-              <a:fillRect/>
-            </a:stretch>
-          </p:blipFill>
-          <p:spPr>
-            <a:xfrm>
-              <a:off x="3677715" y="1525151"/>
-              <a:ext cx="825274" cy="675310"/>
-            </a:xfrm>
-            <a:prstGeom prst="rect">
-              <a:avLst/>
-            </a:prstGeom>
-          </p:spPr>
-        </p:pic>
-        <p:sp>
-          <p:nvSpPr>
-            <p:cNvPr id="9" name="TextBox 8"/>
-            <p:cNvSpPr txBox="1"/>
-            <p:nvPr/>
-          </p:nvSpPr>
-          <p:spPr>
-            <a:xfrm>
-              <a:off x="4701396" y="1558203"/>
-              <a:ext cx="2027207" cy="461665"/>
-            </a:xfrm>
-            <a:prstGeom prst="rect">
-              <a:avLst/>
-            </a:prstGeom>
-            <a:noFill/>
-          </p:spPr>
-          <p:txBody>
-            <a:bodyPr wrap="square" rtlCol="0">
-              <a:spAutoFit/>
-            </a:bodyPr>
-            <a:lstStyle/>
-            <a:p>
-              <a:r>
-                <a:rPr lang="en-US" sz="1200" dirty="0" smtClean="0"/>
-                <a:t>Name/ Organization :  Das Carpentry /Tulu Das </a:t>
-              </a:r>
-              <a:endParaRPr lang="en-US" sz="1200" dirty="0"/>
-            </a:p>
-          </p:txBody>
-        </p:sp>
-        <p:pic>
-          <p:nvPicPr>
-            <p:cNvPr id="1026" name="Picture 2" descr="C:\Users\91895\Desktop\pngtube.com-5-star-rating-png-1259472.png"/>
-            <p:cNvPicPr>
-              <a:picLocks noChangeAspect="1" noChangeArrowheads="1"/>
-            </p:cNvPicPr>
-            <p:nvPr/>
-          </p:nvPicPr>
-          <p:blipFill>
-            <a:blip r:embed="rId5" cstate="print">
-              <a:extLst>
-                <a:ext uri="{28A0092B-C50C-407E-A947-70E740481C1C}">
-                  <a14:useLocalDpi xmlns:a14="http://schemas.microsoft.com/office/drawing/2010/main" val="0"/>
-                </a:ext>
-              </a:extLst>
-            </a:blip>
-            <a:srcRect/>
-            <a:stretch>
-              <a:fillRect/>
-            </a:stretch>
-          </p:blipFill>
-          <p:spPr bwMode="auto">
-            <a:xfrm>
-              <a:off x="3671454" y="2279518"/>
-              <a:ext cx="934730" cy="175558"/>
-            </a:xfrm>
-            <a:prstGeom prst="rect">
-              <a:avLst/>
-            </a:prstGeom>
-            <a:noFill/>
-            <a:extLst>
-              <a:ext uri="{909E8E84-426E-40DD-AFC4-6F175D3DCCD1}">
-                <a14:hiddenFill xmlns:a14="http://schemas.microsoft.com/office/drawing/2010/main">
-                  <a:solidFill>
-                    <a:srgbClr val="FFFFFF"/>
-                  </a:solidFill>
-                </a14:hiddenFill>
-              </a:ext>
-            </a:extLst>
-          </p:spPr>
-        </p:pic>
-        <p:sp>
-          <p:nvSpPr>
-            <p:cNvPr id="10" name="TextBox 9"/>
-            <p:cNvSpPr txBox="1"/>
-            <p:nvPr/>
-          </p:nvSpPr>
-          <p:spPr>
-            <a:xfrm>
-              <a:off x="4701396" y="2061961"/>
-              <a:ext cx="1820174" cy="646331"/>
-            </a:xfrm>
-            <a:prstGeom prst="rect">
-              <a:avLst/>
-            </a:prstGeom>
-            <a:noFill/>
-          </p:spPr>
-          <p:txBody>
-            <a:bodyPr wrap="square" rtlCol="0">
-              <a:spAutoFit/>
-            </a:bodyPr>
-            <a:lstStyle/>
-            <a:p>
-              <a:r>
-                <a:rPr lang="en-US" sz="1200" dirty="0" smtClean="0"/>
-                <a:t> Areas Of Expertise: Door Window , Table ,Chairs ,Cupboards   </a:t>
-              </a:r>
-              <a:endParaRPr lang="en-US" sz="1200" dirty="0"/>
-            </a:p>
-          </p:txBody>
-        </p:sp>
-      </p:grpSp>
-      <p:grpSp>
-        <p:nvGrpSpPr>
-          <p:cNvPr id="63" name="Group 62"/>
-          <p:cNvGrpSpPr/>
-          <p:nvPr/>
-        </p:nvGrpSpPr>
-        <p:grpSpPr>
-          <a:xfrm>
-            <a:off x="3671454" y="3255567"/>
-            <a:ext cx="3738936" cy="1769722"/>
-            <a:chOff x="3671454" y="1450007"/>
-            <a:chExt cx="3738936" cy="1769722"/>
-          </a:xfrm>
-        </p:grpSpPr>
-        <p:sp>
-          <p:nvSpPr>
-            <p:cNvPr id="64" name="Rectangle 63"/>
-            <p:cNvSpPr/>
-            <p:nvPr/>
-          </p:nvSpPr>
-          <p:spPr>
-            <a:xfrm>
-              <a:off x="3694038" y="1450007"/>
-              <a:ext cx="3716352" cy="1769722"/>
-            </a:xfrm>
-            <a:prstGeom prst="rect">
-              <a:avLst/>
-            </a:prstGeom>
-          </p:spPr>
-          <p:style>
-            <a:lnRef idx="2">
-              <a:schemeClr val="dk1"/>
-            </a:lnRef>
-            <a:fillRef idx="1">
-              <a:schemeClr val="lt1"/>
-            </a:fillRef>
-            <a:effectRef idx="0">
-              <a:schemeClr val="dk1"/>
-            </a:effectRef>
-            <a:fontRef idx="minor">
-              <a:schemeClr val="dk1"/>
-            </a:fontRef>
-          </p:style>
-          <p:txBody>
-            <a:bodyPr rtlCol="0" anchor="ctr"/>
-            <a:lstStyle/>
-            <a:p>
-              <a:pPr algn="ctr"/>
-              <a:endParaRPr lang="en-US"/>
-            </a:p>
-          </p:txBody>
-        </p:sp>
-        <p:sp>
-          <p:nvSpPr>
-            <p:cNvPr id="65" name="Right Arrow 64"/>
-            <p:cNvSpPr/>
-            <p:nvPr/>
-          </p:nvSpPr>
-          <p:spPr>
-            <a:xfrm>
-              <a:off x="7147709" y="2122651"/>
-              <a:ext cx="177436" cy="541218"/>
-            </a:xfrm>
-            <a:prstGeom prst="rightArrow">
-              <a:avLst/>
-            </a:prstGeom>
-          </p:spPr>
-          <p:style>
-            <a:lnRef idx="2">
-              <a:schemeClr val="accent1">
-                <a:shade val="50000"/>
-              </a:schemeClr>
-            </a:lnRef>
-            <a:fillRef idx="1">
-              <a:schemeClr val="accent1"/>
-            </a:fillRef>
-            <a:effectRef idx="0">
-              <a:schemeClr val="accent1"/>
-            </a:effectRef>
-            <a:fontRef idx="minor">
-              <a:schemeClr val="lt1"/>
-            </a:fontRef>
-          </p:style>
-          <p:txBody>
-            <a:bodyPr rtlCol="0" anchor="ctr"/>
-            <a:lstStyle/>
-            <a:p>
-              <a:pPr algn="ctr"/>
-              <a:endParaRPr lang="en-US"/>
-            </a:p>
-          </p:txBody>
-        </p:sp>
-        <p:pic>
-          <p:nvPicPr>
-            <p:cNvPr id="66" name="Picture 65"/>
-            <p:cNvPicPr>
-              <a:picLocks noChangeAspect="1"/>
-            </p:cNvPicPr>
-            <p:nvPr/>
-          </p:nvPicPr>
-          <p:blipFill>
-            <a:blip r:embed="rId4" cstate="print">
-              <a:extLst>
-                <a:ext uri="{28A0092B-C50C-407E-A947-70E740481C1C}">
-                  <a14:useLocalDpi xmlns:a14="http://schemas.microsoft.com/office/drawing/2010/main" val="0"/>
-                </a:ext>
-              </a:extLst>
-            </a:blip>
-            <a:stretch>
-              <a:fillRect/>
-            </a:stretch>
-          </p:blipFill>
-          <p:spPr>
-            <a:xfrm>
-              <a:off x="3677715" y="1525151"/>
-              <a:ext cx="825274" cy="675310"/>
-            </a:xfrm>
-            <a:prstGeom prst="rect">
-              <a:avLst/>
-            </a:prstGeom>
-          </p:spPr>
-        </p:pic>
-        <p:sp>
-          <p:nvSpPr>
-            <p:cNvPr id="67" name="TextBox 66"/>
-            <p:cNvSpPr txBox="1"/>
-            <p:nvPr/>
-          </p:nvSpPr>
-          <p:spPr>
-            <a:xfrm>
-              <a:off x="4701396" y="1558203"/>
-              <a:ext cx="2027207" cy="461665"/>
-            </a:xfrm>
-            <a:prstGeom prst="rect">
-              <a:avLst/>
-            </a:prstGeom>
-            <a:noFill/>
-          </p:spPr>
-          <p:txBody>
-            <a:bodyPr wrap="square" rtlCol="0">
-              <a:spAutoFit/>
-            </a:bodyPr>
-            <a:lstStyle/>
-            <a:p>
-              <a:r>
-                <a:rPr lang="en-US" sz="1200" dirty="0" smtClean="0"/>
-                <a:t>Name/ Organization :  Das Carpentry /Tulu Das </a:t>
-              </a:r>
-              <a:endParaRPr lang="en-US" sz="1200" dirty="0"/>
-            </a:p>
-          </p:txBody>
-        </p:sp>
-        <p:pic>
-          <p:nvPicPr>
-            <p:cNvPr id="68" name="Picture 2" descr="C:\Users\91895\Desktop\pngtube.com-5-star-rating-png-1259472.png"/>
-            <p:cNvPicPr>
-              <a:picLocks noChangeAspect="1" noChangeArrowheads="1"/>
-            </p:cNvPicPr>
-            <p:nvPr/>
-          </p:nvPicPr>
-          <p:blipFill>
-            <a:blip r:embed="rId5" cstate="print">
-              <a:extLst>
-                <a:ext uri="{28A0092B-C50C-407E-A947-70E740481C1C}">
-                  <a14:useLocalDpi xmlns:a14="http://schemas.microsoft.com/office/drawing/2010/main" val="0"/>
-                </a:ext>
-              </a:extLst>
-            </a:blip>
-            <a:srcRect/>
-            <a:stretch>
-              <a:fillRect/>
-            </a:stretch>
-          </p:blipFill>
-          <p:spPr bwMode="auto">
-            <a:xfrm>
-              <a:off x="3671454" y="2279518"/>
-              <a:ext cx="934730" cy="175558"/>
-            </a:xfrm>
-            <a:prstGeom prst="rect">
-              <a:avLst/>
-            </a:prstGeom>
-            <a:noFill/>
-            <a:extLst>
-              <a:ext uri="{909E8E84-426E-40DD-AFC4-6F175D3DCCD1}">
-                <a14:hiddenFill xmlns:a14="http://schemas.microsoft.com/office/drawing/2010/main">
-                  <a:solidFill>
-                    <a:srgbClr val="FFFFFF"/>
-                  </a:solidFill>
-                </a14:hiddenFill>
-              </a:ext>
-            </a:extLst>
-          </p:spPr>
-        </p:pic>
-        <p:sp>
-          <p:nvSpPr>
-            <p:cNvPr id="69" name="TextBox 68"/>
-            <p:cNvSpPr txBox="1"/>
-            <p:nvPr/>
-          </p:nvSpPr>
-          <p:spPr>
-            <a:xfrm>
-              <a:off x="4701396" y="2061961"/>
-              <a:ext cx="1820174" cy="646331"/>
-            </a:xfrm>
-            <a:prstGeom prst="rect">
-              <a:avLst/>
-            </a:prstGeom>
-            <a:noFill/>
-          </p:spPr>
-          <p:txBody>
-            <a:bodyPr wrap="square" rtlCol="0">
-              <a:spAutoFit/>
-            </a:bodyPr>
-            <a:lstStyle/>
-            <a:p>
-              <a:r>
-                <a:rPr lang="en-US" sz="1200" dirty="0" smtClean="0"/>
-                <a:t> Areas Of Expertise: Door Window , Table ,Chairs ,Cupboards   </a:t>
-              </a:r>
-              <a:endParaRPr lang="en-US" sz="1200" dirty="0"/>
-            </a:p>
-          </p:txBody>
-        </p:sp>
-      </p:grpSp>
-      <p:pic>
-        <p:nvPicPr>
-          <p:cNvPr id="2050" name="Picture 2" descr="C:\Users\91895\Desktop\filter.png"/>
-          <p:cNvPicPr>
-            <a:picLocks noChangeAspect="1" noChangeArrowheads="1"/>
-          </p:cNvPicPr>
-          <p:nvPr/>
-        </p:nvPicPr>
-        <p:blipFill>
-          <a:blip r:embed="rId6" cstate="print">
-            <a:extLst>
-              <a:ext uri="{28A0092B-C50C-407E-A947-70E740481C1C}">
-                <a14:useLocalDpi xmlns:a14="http://schemas.microsoft.com/office/drawing/2010/main" val="0"/>
-              </a:ext>
-            </a:extLst>
-          </a:blip>
-          <a:srcRect/>
-          <a:stretch>
-            <a:fillRect/>
-          </a:stretch>
-        </p:blipFill>
-        <p:spPr bwMode="auto">
-          <a:xfrm>
-            <a:off x="7030288" y="1055987"/>
-            <a:ext cx="283049" cy="283049"/>
-          </a:xfrm>
-          <a:prstGeom prst="rect">
-            <a:avLst/>
-          </a:prstGeom>
-          <a:noFill/>
-          <a:extLst>
-            <a:ext uri="{909E8E84-426E-40DD-AFC4-6F175D3DCCD1}">
-              <a14:hiddenFill xmlns:a14="http://schemas.microsoft.com/office/drawing/2010/main">
-                <a:solidFill>
-                  <a:srgbClr val="FFFFFF"/>
-                </a:solidFill>
-              </a14:hiddenFill>
-            </a:ext>
-          </a:extLst>
-        </p:spPr>
-      </p:pic>
-    </p:spTree>
-    <p:extLst>
-      <p:ext uri="{BB962C8B-B14F-4D97-AF65-F5344CB8AC3E}">
-        <p14:creationId xmlns:p14="http://schemas.microsoft.com/office/powerpoint/2010/main" val="3586974252"/>
       </p:ext>
     </p:extLst>
   </p:cSld>
@@ -7200,7 +7318,7 @@
   <a:extraClrSchemeLst/>
   <a:extLst>
     <a:ext uri="{05A4C25C-085E-4340-85A3-A5531E510DB2}">
-      <thm15:themeFamily xmlns="" xmlns:thm15="http://schemas.microsoft.com/office/thememl/2012/main" name="Office Theme" id="{62F939B6-93AF-4DB8-9C6B-D6C7DFDC589F}" vid="{4A3C46E8-61CC-4603-A589-7422A47A8E4A}"/>
+      <thm15:themeFamily xmlns:thm15="http://schemas.microsoft.com/office/thememl/2012/main" xmlns="" name="Office Theme" id="{62F939B6-93AF-4DB8-9C6B-D6C7DFDC589F}" vid="{4A3C46E8-61CC-4603-A589-7422A47A8E4A}"/>
     </a:ext>
   </a:extLst>
 </a:theme>
